--- a/Rampv06SbIgnore.pptx
+++ b/Rampv06SbIgnore.pptx
@@ -18,8 +18,6 @@
     <p:sldId id="269" r:id="rId12"/>
     <p:sldId id="284" r:id="rId13"/>
     <p:sldId id="285" r:id="rId14"/>
-    <p:sldId id="286" r:id="rId15"/>
-    <p:sldId id="262" r:id="rId16"/>
   </p:sldIdLst>
   <p:sldSz cx="12192000" cy="6858000"/>
   <p:notesSz cx="6858000" cy="9144000"/>
@@ -273,7 +271,7 @@
           <a:p>
             <a:fld id="{D2D6774E-C203-41F8-A813-3A63284E1131}" type="datetimeFigureOut">
               <a:rPr lang="en-US" smtClean="0"/>
-              <a:t>11/14/2018</a:t>
+              <a:t>11/15/2018</a:t>
             </a:fld>
             <a:endParaRPr lang="en-US"/>
           </a:p>
@@ -471,7 +469,7 @@
           <a:p>
             <a:fld id="{D2D6774E-C203-41F8-A813-3A63284E1131}" type="datetimeFigureOut">
               <a:rPr lang="en-US" smtClean="0"/>
-              <a:t>11/14/2018</a:t>
+              <a:t>11/15/2018</a:t>
             </a:fld>
             <a:endParaRPr lang="en-US"/>
           </a:p>
@@ -679,7 +677,7 @@
           <a:p>
             <a:fld id="{D2D6774E-C203-41F8-A813-3A63284E1131}" type="datetimeFigureOut">
               <a:rPr lang="en-US" smtClean="0"/>
-              <a:t>11/14/2018</a:t>
+              <a:t>11/15/2018</a:t>
             </a:fld>
             <a:endParaRPr lang="en-US"/>
           </a:p>
@@ -877,7 +875,7 @@
           <a:p>
             <a:fld id="{D2D6774E-C203-41F8-A813-3A63284E1131}" type="datetimeFigureOut">
               <a:rPr lang="en-US" smtClean="0"/>
-              <a:t>11/14/2018</a:t>
+              <a:t>11/15/2018</a:t>
             </a:fld>
             <a:endParaRPr lang="en-US"/>
           </a:p>
@@ -1152,7 +1150,7 @@
           <a:p>
             <a:fld id="{D2D6774E-C203-41F8-A813-3A63284E1131}" type="datetimeFigureOut">
               <a:rPr lang="en-US" smtClean="0"/>
-              <a:t>11/14/2018</a:t>
+              <a:t>11/15/2018</a:t>
             </a:fld>
             <a:endParaRPr lang="en-US"/>
           </a:p>
@@ -1417,7 +1415,7 @@
           <a:p>
             <a:fld id="{D2D6774E-C203-41F8-A813-3A63284E1131}" type="datetimeFigureOut">
               <a:rPr lang="en-US" smtClean="0"/>
-              <a:t>11/14/2018</a:t>
+              <a:t>11/15/2018</a:t>
             </a:fld>
             <a:endParaRPr lang="en-US"/>
           </a:p>
@@ -1829,7 +1827,7 @@
           <a:p>
             <a:fld id="{D2D6774E-C203-41F8-A813-3A63284E1131}" type="datetimeFigureOut">
               <a:rPr lang="en-US" smtClean="0"/>
-              <a:t>11/14/2018</a:t>
+              <a:t>11/15/2018</a:t>
             </a:fld>
             <a:endParaRPr lang="en-US"/>
           </a:p>
@@ -1970,7 +1968,7 @@
           <a:p>
             <a:fld id="{D2D6774E-C203-41F8-A813-3A63284E1131}" type="datetimeFigureOut">
               <a:rPr lang="en-US" smtClean="0"/>
-              <a:t>11/14/2018</a:t>
+              <a:t>11/15/2018</a:t>
             </a:fld>
             <a:endParaRPr lang="en-US"/>
           </a:p>
@@ -2083,7 +2081,7 @@
           <a:p>
             <a:fld id="{D2D6774E-C203-41F8-A813-3A63284E1131}" type="datetimeFigureOut">
               <a:rPr lang="en-US" smtClean="0"/>
-              <a:t>11/14/2018</a:t>
+              <a:t>11/15/2018</a:t>
             </a:fld>
             <a:endParaRPr lang="en-US"/>
           </a:p>
@@ -2394,7 +2392,7 @@
           <a:p>
             <a:fld id="{D2D6774E-C203-41F8-A813-3A63284E1131}" type="datetimeFigureOut">
               <a:rPr lang="en-US" smtClean="0"/>
-              <a:t>11/14/2018</a:t>
+              <a:t>11/15/2018</a:t>
             </a:fld>
             <a:endParaRPr lang="en-US"/>
           </a:p>
@@ -2682,7 +2680,7 @@
           <a:p>
             <a:fld id="{D2D6774E-C203-41F8-A813-3A63284E1131}" type="datetimeFigureOut">
               <a:rPr lang="en-US" smtClean="0"/>
-              <a:t>11/14/2018</a:t>
+              <a:t>11/15/2018</a:t>
             </a:fld>
             <a:endParaRPr lang="en-US"/>
           </a:p>
@@ -2923,7 +2921,7 @@
           <a:p>
             <a:fld id="{D2D6774E-C203-41F8-A813-3A63284E1131}" type="datetimeFigureOut">
               <a:rPr lang="en-US" smtClean="0"/>
-              <a:t>11/14/2018</a:t>
+              <a:t>11/15/2018</a:t>
             </a:fld>
             <a:endParaRPr lang="en-US"/>
           </a:p>
@@ -4196,333 +4194,6 @@
 </p:sld>
 </file>
 
-<file path=ppt/slides/slide14.xml><?xml version="1.0" encoding="utf-8"?>
-<p:sld xmlns:a="http://schemas.openxmlformats.org/drawingml/2006/main" xmlns:r="http://schemas.openxmlformats.org/officeDocument/2006/relationships" xmlns:p="http://schemas.openxmlformats.org/presentationml/2006/main">
-  <p:cSld>
-    <p:spTree>
-      <p:nvGrpSpPr>
-        <p:cNvPr id="1" name=""/>
-        <p:cNvGrpSpPr/>
-        <p:nvPr/>
-      </p:nvGrpSpPr>
-      <p:grpSpPr>
-        <a:xfrm>
-          <a:off x="0" y="0"/>
-          <a:ext cx="0" cy="0"/>
-          <a:chOff x="0" y="0"/>
-          <a:chExt cx="0" cy="0"/>
-        </a:xfrm>
-      </p:grpSpPr>
-      <p:pic>
-        <p:nvPicPr>
-          <p:cNvPr id="10" name="Picture 9">
-            <a:extLst>
-              <a:ext uri="{FF2B5EF4-FFF2-40B4-BE49-F238E27FC236}">
-                <a16:creationId xmlns:a16="http://schemas.microsoft.com/office/drawing/2014/main" id="{381EBEF0-BD4B-4A99-96BF-361CD988F940}"/>
-              </a:ext>
-            </a:extLst>
-          </p:cNvPr>
-          <p:cNvPicPr>
-            <a:picLocks noChangeAspect="1"/>
-          </p:cNvPicPr>
-          <p:nvPr/>
-        </p:nvPicPr>
-        <p:blipFill>
-          <a:blip r:embed="rId2"/>
-          <a:stretch>
-            <a:fillRect/>
-          </a:stretch>
-        </p:blipFill>
-        <p:spPr>
-          <a:xfrm>
-            <a:off x="7315638" y="1114601"/>
-            <a:ext cx="3723837" cy="2504483"/>
-          </a:xfrm>
-          <a:prstGeom prst="rect">
-            <a:avLst/>
-          </a:prstGeom>
-        </p:spPr>
-      </p:pic>
-      <p:pic>
-        <p:nvPicPr>
-          <p:cNvPr id="11" name="Picture 10">
-            <a:extLst>
-              <a:ext uri="{FF2B5EF4-FFF2-40B4-BE49-F238E27FC236}">
-                <a16:creationId xmlns:a16="http://schemas.microsoft.com/office/drawing/2014/main" id="{C25768C8-F54E-45B2-893B-BF544D25D2B5}"/>
-              </a:ext>
-            </a:extLst>
-          </p:cNvPr>
-          <p:cNvPicPr>
-            <a:picLocks noChangeAspect="1"/>
-          </p:cNvPicPr>
-          <p:nvPr/>
-        </p:nvPicPr>
-        <p:blipFill>
-          <a:blip r:embed="rId3"/>
-          <a:stretch>
-            <a:fillRect/>
-          </a:stretch>
-        </p:blipFill>
-        <p:spPr>
-          <a:xfrm>
-            <a:off x="905314" y="3619084"/>
-            <a:ext cx="3723838" cy="2504484"/>
-          </a:xfrm>
-          <a:prstGeom prst="rect">
-            <a:avLst/>
-          </a:prstGeom>
-        </p:spPr>
-      </p:pic>
-      <p:pic>
-        <p:nvPicPr>
-          <p:cNvPr id="12" name="Picture 11">
-            <a:extLst>
-              <a:ext uri="{FF2B5EF4-FFF2-40B4-BE49-F238E27FC236}">
-                <a16:creationId xmlns:a16="http://schemas.microsoft.com/office/drawing/2014/main" id="{197AEC60-694D-43FE-A6C7-B5D42801C629}"/>
-              </a:ext>
-            </a:extLst>
-          </p:cNvPr>
-          <p:cNvPicPr>
-            <a:picLocks noChangeAspect="1"/>
-          </p:cNvPicPr>
-          <p:nvPr/>
-        </p:nvPicPr>
-        <p:blipFill>
-          <a:blip r:embed="rId4"/>
-          <a:stretch>
-            <a:fillRect/>
-          </a:stretch>
-        </p:blipFill>
-        <p:spPr>
-          <a:xfrm>
-            <a:off x="7048938" y="3911914"/>
-            <a:ext cx="3990537" cy="2683853"/>
-          </a:xfrm>
-          <a:prstGeom prst="rect">
-            <a:avLst/>
-          </a:prstGeom>
-        </p:spPr>
-      </p:pic>
-      <p:pic>
-        <p:nvPicPr>
-          <p:cNvPr id="13" name="Picture 12">
-            <a:extLst>
-              <a:ext uri="{FF2B5EF4-FFF2-40B4-BE49-F238E27FC236}">
-                <a16:creationId xmlns:a16="http://schemas.microsoft.com/office/drawing/2014/main" id="{9C7BF5D6-F646-4EE4-9C86-75B5CD0E24C2}"/>
-              </a:ext>
-            </a:extLst>
-          </p:cNvPr>
-          <p:cNvPicPr>
-            <a:picLocks noChangeAspect="1"/>
-          </p:cNvPicPr>
-          <p:nvPr/>
-        </p:nvPicPr>
-        <p:blipFill>
-          <a:blip r:embed="rId5"/>
-          <a:stretch>
-            <a:fillRect/>
-          </a:stretch>
-        </p:blipFill>
-        <p:spPr>
-          <a:xfrm>
-            <a:off x="447413" y="839782"/>
-            <a:ext cx="3962401" cy="2664930"/>
-          </a:xfrm>
-          <a:prstGeom prst="rect">
-            <a:avLst/>
-          </a:prstGeom>
-        </p:spPr>
-      </p:pic>
-      <p:pic>
-        <p:nvPicPr>
-          <p:cNvPr id="3" name="Picture 2">
-            <a:extLst>
-              <a:ext uri="{FF2B5EF4-FFF2-40B4-BE49-F238E27FC236}">
-                <a16:creationId xmlns:a16="http://schemas.microsoft.com/office/drawing/2014/main" id="{3BF70C62-EB54-410E-94DC-93A6476F8B23}"/>
-              </a:ext>
-            </a:extLst>
-          </p:cNvPr>
-          <p:cNvPicPr>
-            <a:picLocks noChangeAspect="1"/>
-          </p:cNvPicPr>
-          <p:nvPr/>
-        </p:nvPicPr>
-        <p:blipFill>
-          <a:blip r:embed="rId6"/>
-          <a:stretch>
-            <a:fillRect/>
-          </a:stretch>
-        </p:blipFill>
-        <p:spPr>
-          <a:xfrm>
-            <a:off x="4552950" y="3238916"/>
-            <a:ext cx="4228662" cy="2844005"/>
-          </a:xfrm>
-          <a:prstGeom prst="rect">
-            <a:avLst/>
-          </a:prstGeom>
-        </p:spPr>
-      </p:pic>
-      <p:sp>
-        <p:nvSpPr>
-          <p:cNvPr id="9" name="Title 1">
-            <a:extLst>
-              <a:ext uri="{FF2B5EF4-FFF2-40B4-BE49-F238E27FC236}">
-                <a16:creationId xmlns:a16="http://schemas.microsoft.com/office/drawing/2014/main" id="{FD575ED2-F690-4A44-9313-9C3B1789FCE8}"/>
-              </a:ext>
-            </a:extLst>
-          </p:cNvPr>
-          <p:cNvSpPr txBox="1">
-            <a:spLocks/>
-          </p:cNvSpPr>
-          <p:nvPr/>
-        </p:nvSpPr>
-        <p:spPr>
-          <a:xfrm>
-            <a:off x="905314" y="546952"/>
-            <a:ext cx="11334225" cy="868057"/>
-          </a:xfrm>
-          <a:prstGeom prst="rect">
-            <a:avLst/>
-          </a:prstGeom>
-        </p:spPr>
-        <p:txBody>
-          <a:bodyPr vert="horz" lIns="91440" tIns="45720" rIns="91440" bIns="45720" rtlCol="0" anchor="ctr">
-            <a:normAutofit/>
-          </a:bodyPr>
-          <a:lstStyle>
-            <a:lvl1pPr algn="l" defTabSz="914400" rtl="0" eaLnBrk="1" latinLnBrk="0" hangingPunct="1">
-              <a:lnSpc>
-                <a:spcPct val="90000"/>
-              </a:lnSpc>
-              <a:spcBef>
-                <a:spcPct val="0"/>
-              </a:spcBef>
-              <a:buNone/>
-              <a:defRPr sz="4400" kern="1200">
-                <a:solidFill>
-                  <a:schemeClr val="tx1"/>
-                </a:solidFill>
-                <a:latin typeface="+mj-lt"/>
-                <a:ea typeface="+mj-ea"/>
-                <a:cs typeface="+mj-cs"/>
-              </a:defRPr>
-            </a:lvl1pPr>
-          </a:lstStyle>
-          <a:p>
-            <a:r>
-              <a:rPr lang="en-US" sz="2400" dirty="0"/>
-              <a:t>Participants who failed </a:t>
-            </a:r>
-            <a:r>
-              <a:rPr lang="en-US" sz="2400"/>
-              <a:t>risk seeking </a:t>
-            </a:r>
-            <a:r>
-              <a:rPr lang="en-US" sz="2400" dirty="0"/>
-              <a:t>trials(</a:t>
-            </a:r>
-            <a:r>
-              <a:rPr lang="en-US" sz="2400"/>
-              <a:t>n=18)</a:t>
-            </a:r>
-            <a:endParaRPr lang="en-US" sz="2400" dirty="0"/>
-          </a:p>
-        </p:txBody>
-      </p:sp>
-    </p:spTree>
-    <p:extLst>
-      <p:ext uri="{BB962C8B-B14F-4D97-AF65-F5344CB8AC3E}">
-        <p14:creationId xmlns:p14="http://schemas.microsoft.com/office/powerpoint/2010/main" val="4233099093"/>
-      </p:ext>
-    </p:extLst>
-  </p:cSld>
-  <p:clrMapOvr>
-    <a:masterClrMapping/>
-  </p:clrMapOvr>
-</p:sld>
-</file>
-
-<file path=ppt/slides/slide15.xml><?xml version="1.0" encoding="utf-8"?>
-<p:sld xmlns:a="http://schemas.openxmlformats.org/drawingml/2006/main" xmlns:r="http://schemas.openxmlformats.org/officeDocument/2006/relationships" xmlns:p="http://schemas.openxmlformats.org/presentationml/2006/main">
-  <p:cSld>
-    <p:spTree>
-      <p:nvGrpSpPr>
-        <p:cNvPr id="1" name=""/>
-        <p:cNvGrpSpPr/>
-        <p:nvPr/>
-      </p:nvGrpSpPr>
-      <p:grpSpPr>
-        <a:xfrm>
-          <a:off x="0" y="0"/>
-          <a:ext cx="0" cy="0"/>
-          <a:chOff x="0" y="0"/>
-          <a:chExt cx="0" cy="0"/>
-        </a:xfrm>
-      </p:grpSpPr>
-      <p:sp>
-        <p:nvSpPr>
-          <p:cNvPr id="2" name="Title 1">
-            <a:extLst>
-              <a:ext uri="{FF2B5EF4-FFF2-40B4-BE49-F238E27FC236}">
-                <a16:creationId xmlns:a16="http://schemas.microsoft.com/office/drawing/2014/main" id="{6843EA10-06EA-41F2-B926-10E6815EC638}"/>
-              </a:ext>
-            </a:extLst>
-          </p:cNvPr>
-          <p:cNvSpPr>
-            <a:spLocks noGrp="1"/>
-          </p:cNvSpPr>
-          <p:nvPr>
-            <p:ph type="title"/>
-          </p:nvPr>
-        </p:nvSpPr>
-        <p:spPr/>
-        <p:txBody>
-          <a:bodyPr/>
-          <a:lstStyle/>
-          <a:p>
-            <a:endParaRPr lang="en-US"/>
-          </a:p>
-        </p:txBody>
-      </p:sp>
-      <p:sp>
-        <p:nvSpPr>
-          <p:cNvPr id="3" name="Content Placeholder 2">
-            <a:extLst>
-              <a:ext uri="{FF2B5EF4-FFF2-40B4-BE49-F238E27FC236}">
-                <a16:creationId xmlns:a16="http://schemas.microsoft.com/office/drawing/2014/main" id="{AAAF0A12-2481-4D9F-94EC-C42413E08494}"/>
-              </a:ext>
-            </a:extLst>
-          </p:cNvPr>
-          <p:cNvSpPr>
-            <a:spLocks noGrp="1"/>
-          </p:cNvSpPr>
-          <p:nvPr>
-            <p:ph idx="1"/>
-          </p:nvPr>
-        </p:nvSpPr>
-        <p:spPr/>
-        <p:txBody>
-          <a:bodyPr/>
-          <a:lstStyle/>
-          <a:p>
-            <a:endParaRPr lang="en-US"/>
-          </a:p>
-        </p:txBody>
-      </p:sp>
-    </p:spTree>
-    <p:extLst>
-      <p:ext uri="{BB962C8B-B14F-4D97-AF65-F5344CB8AC3E}">
-        <p14:creationId xmlns:p14="http://schemas.microsoft.com/office/powerpoint/2010/main" val="3248909024"/>
-      </p:ext>
-    </p:extLst>
-  </p:cSld>
-  <p:clrMapOvr>
-    <a:masterClrMapping/>
-  </p:clrMapOvr>
-</p:sld>
-</file>
-
 <file path=ppt/slides/slide2.xml><?xml version="1.0" encoding="utf-8"?>
 <p:sld xmlns:a="http://schemas.openxmlformats.org/drawingml/2006/main" xmlns:r="http://schemas.openxmlformats.org/officeDocument/2006/relationships" xmlns:p="http://schemas.openxmlformats.org/presentationml/2006/main">
   <p:cSld>
@@ -4945,7 +4616,7 @@
         </p:blipFill>
         <p:spPr>
           <a:xfrm>
-            <a:off x="1402248" y="3529765"/>
+            <a:off x="297348" y="3529765"/>
             <a:ext cx="4280788" cy="3224489"/>
           </a:xfrm>
           <a:prstGeom prst="rect">
@@ -4975,8 +4646,68 @@
         </p:blipFill>
         <p:spPr>
           <a:xfrm>
-            <a:off x="6261112" y="1424717"/>
-            <a:ext cx="5422888" cy="3805213"/>
+            <a:off x="6388112" y="-38079"/>
+            <a:ext cx="4130748" cy="2898525"/>
+          </a:xfrm>
+          <a:prstGeom prst="rect">
+            <a:avLst/>
+          </a:prstGeom>
+        </p:spPr>
+      </p:pic>
+      <p:pic>
+        <p:nvPicPr>
+          <p:cNvPr id="2" name="Picture 1">
+            <a:extLst>
+              <a:ext uri="{FF2B5EF4-FFF2-40B4-BE49-F238E27FC236}">
+                <a16:creationId xmlns:a16="http://schemas.microsoft.com/office/drawing/2014/main" id="{528A9696-E66D-4501-BFE3-6D8C7CFB9AED}"/>
+              </a:ext>
+            </a:extLst>
+          </p:cNvPr>
+          <p:cNvPicPr>
+            <a:picLocks noChangeAspect="1"/>
+          </p:cNvPicPr>
+          <p:nvPr/>
+        </p:nvPicPr>
+        <p:blipFill>
+          <a:blip r:embed="rId5"/>
+          <a:stretch>
+            <a:fillRect/>
+          </a:stretch>
+        </p:blipFill>
+        <p:spPr>
+          <a:xfrm>
+            <a:off x="4578136" y="3328235"/>
+            <a:ext cx="6332281" cy="3224489"/>
+          </a:xfrm>
+          <a:prstGeom prst="rect">
+            <a:avLst/>
+          </a:prstGeom>
+        </p:spPr>
+      </p:pic>
+      <p:pic>
+        <p:nvPicPr>
+          <p:cNvPr id="9" name="Picture 8">
+            <a:extLst>
+              <a:ext uri="{FF2B5EF4-FFF2-40B4-BE49-F238E27FC236}">
+                <a16:creationId xmlns:a16="http://schemas.microsoft.com/office/drawing/2014/main" id="{D8AD4705-779E-49E1-940F-4BEB9E8B574A}"/>
+              </a:ext>
+            </a:extLst>
+          </p:cNvPr>
+          <p:cNvPicPr>
+            <a:picLocks noChangeAspect="1"/>
+          </p:cNvPicPr>
+          <p:nvPr/>
+        </p:nvPicPr>
+        <p:blipFill>
+          <a:blip r:embed="rId6"/>
+          <a:stretch>
+            <a:fillRect/>
+          </a:stretch>
+        </p:blipFill>
+        <p:spPr>
+          <a:xfrm>
+            <a:off x="8666637" y="4306965"/>
+            <a:ext cx="3238066" cy="2255081"/>
           </a:xfrm>
           <a:prstGeom prst="rect">
             <a:avLst/>

--- a/Rampv06SbIgnore.pptx
+++ b/Rampv06SbIgnore.pptx
@@ -15,9 +15,12 @@
     <p:sldId id="266" r:id="rId9"/>
     <p:sldId id="267" r:id="rId10"/>
     <p:sldId id="268" r:id="rId11"/>
-    <p:sldId id="269" r:id="rId12"/>
-    <p:sldId id="284" r:id="rId13"/>
-    <p:sldId id="285" r:id="rId14"/>
+    <p:sldId id="286" r:id="rId12"/>
+    <p:sldId id="269" r:id="rId13"/>
+    <p:sldId id="284" r:id="rId14"/>
+    <p:sldId id="285" r:id="rId15"/>
+    <p:sldId id="289" r:id="rId16"/>
+    <p:sldId id="291" r:id="rId17"/>
   </p:sldIdLst>
   <p:sldSz cx="12192000" cy="6858000"/>
   <p:notesSz cx="6858000" cy="9144000"/>
@@ -271,7 +274,7 @@
           <a:p>
             <a:fld id="{D2D6774E-C203-41F8-A813-3A63284E1131}" type="datetimeFigureOut">
               <a:rPr lang="en-US" smtClean="0"/>
-              <a:t>11/15/2018</a:t>
+              <a:t>11/16/2018</a:t>
             </a:fld>
             <a:endParaRPr lang="en-US"/>
           </a:p>
@@ -469,7 +472,7 @@
           <a:p>
             <a:fld id="{D2D6774E-C203-41F8-A813-3A63284E1131}" type="datetimeFigureOut">
               <a:rPr lang="en-US" smtClean="0"/>
-              <a:t>11/15/2018</a:t>
+              <a:t>11/16/2018</a:t>
             </a:fld>
             <a:endParaRPr lang="en-US"/>
           </a:p>
@@ -677,7 +680,7 @@
           <a:p>
             <a:fld id="{D2D6774E-C203-41F8-A813-3A63284E1131}" type="datetimeFigureOut">
               <a:rPr lang="en-US" smtClean="0"/>
-              <a:t>11/15/2018</a:t>
+              <a:t>11/16/2018</a:t>
             </a:fld>
             <a:endParaRPr lang="en-US"/>
           </a:p>
@@ -875,7 +878,7 @@
           <a:p>
             <a:fld id="{D2D6774E-C203-41F8-A813-3A63284E1131}" type="datetimeFigureOut">
               <a:rPr lang="en-US" smtClean="0"/>
-              <a:t>11/15/2018</a:t>
+              <a:t>11/16/2018</a:t>
             </a:fld>
             <a:endParaRPr lang="en-US"/>
           </a:p>
@@ -1150,7 +1153,7 @@
           <a:p>
             <a:fld id="{D2D6774E-C203-41F8-A813-3A63284E1131}" type="datetimeFigureOut">
               <a:rPr lang="en-US" smtClean="0"/>
-              <a:t>11/15/2018</a:t>
+              <a:t>11/16/2018</a:t>
             </a:fld>
             <a:endParaRPr lang="en-US"/>
           </a:p>
@@ -1415,7 +1418,7 @@
           <a:p>
             <a:fld id="{D2D6774E-C203-41F8-A813-3A63284E1131}" type="datetimeFigureOut">
               <a:rPr lang="en-US" smtClean="0"/>
-              <a:t>11/15/2018</a:t>
+              <a:t>11/16/2018</a:t>
             </a:fld>
             <a:endParaRPr lang="en-US"/>
           </a:p>
@@ -1827,7 +1830,7 @@
           <a:p>
             <a:fld id="{D2D6774E-C203-41F8-A813-3A63284E1131}" type="datetimeFigureOut">
               <a:rPr lang="en-US" smtClean="0"/>
-              <a:t>11/15/2018</a:t>
+              <a:t>11/16/2018</a:t>
             </a:fld>
             <a:endParaRPr lang="en-US"/>
           </a:p>
@@ -1968,7 +1971,7 @@
           <a:p>
             <a:fld id="{D2D6774E-C203-41F8-A813-3A63284E1131}" type="datetimeFigureOut">
               <a:rPr lang="en-US" smtClean="0"/>
-              <a:t>11/15/2018</a:t>
+              <a:t>11/16/2018</a:t>
             </a:fld>
             <a:endParaRPr lang="en-US"/>
           </a:p>
@@ -2081,7 +2084,7 @@
           <a:p>
             <a:fld id="{D2D6774E-C203-41F8-A813-3A63284E1131}" type="datetimeFigureOut">
               <a:rPr lang="en-US" smtClean="0"/>
-              <a:t>11/15/2018</a:t>
+              <a:t>11/16/2018</a:t>
             </a:fld>
             <a:endParaRPr lang="en-US"/>
           </a:p>
@@ -2392,7 +2395,7 @@
           <a:p>
             <a:fld id="{D2D6774E-C203-41F8-A813-3A63284E1131}" type="datetimeFigureOut">
               <a:rPr lang="en-US" smtClean="0"/>
-              <a:t>11/15/2018</a:t>
+              <a:t>11/16/2018</a:t>
             </a:fld>
             <a:endParaRPr lang="en-US"/>
           </a:p>
@@ -2680,7 +2683,7 @@
           <a:p>
             <a:fld id="{D2D6774E-C203-41F8-A813-3A63284E1131}" type="datetimeFigureOut">
               <a:rPr lang="en-US" smtClean="0"/>
-              <a:t>11/15/2018</a:t>
+              <a:t>11/16/2018</a:t>
             </a:fld>
             <a:endParaRPr lang="en-US"/>
           </a:p>
@@ -2921,7 +2924,7 @@
           <a:p>
             <a:fld id="{D2D6774E-C203-41F8-A813-3A63284E1131}" type="datetimeFigureOut">
               <a:rPr lang="en-US" smtClean="0"/>
-              <a:t>11/15/2018</a:t>
+              <a:t>11/16/2018</a:t>
             </a:fld>
             <a:endParaRPr lang="en-US"/>
           </a:p>
@@ -3391,13 +3394,13 @@
           <a:p>
             <a:r>
               <a:rPr lang="en-US" dirty="0"/>
-              <a:t>11.13.18</a:t>
+              <a:t>11.16.18</a:t>
             </a:r>
           </a:p>
           <a:p>
             <a:r>
               <a:rPr lang="en-US" dirty="0"/>
-              <a:t>56 participants – 24 useable</a:t>
+              <a:t>100 participants – 54 useable</a:t>
             </a:r>
           </a:p>
         </p:txBody>
@@ -3469,10 +3472,10 @@
       </p:sp>
       <p:pic>
         <p:nvPicPr>
-          <p:cNvPr id="2" name="Picture 1">
-            <a:extLst>
-              <a:ext uri="{FF2B5EF4-FFF2-40B4-BE49-F238E27FC236}">
-                <a16:creationId xmlns:a16="http://schemas.microsoft.com/office/drawing/2014/main" id="{068F1586-9413-4100-AF3F-C97CDB2BD0DE}"/>
+          <p:cNvPr id="7" name="Picture 6">
+            <a:extLst>
+              <a:ext uri="{FF2B5EF4-FFF2-40B4-BE49-F238E27FC236}">
+                <a16:creationId xmlns:a16="http://schemas.microsoft.com/office/drawing/2014/main" id="{6A5D0269-5EFD-40D8-A272-9A1EBFB385CC}"/>
               </a:ext>
             </a:extLst>
           </p:cNvPr>
@@ -3489,8 +3492,8 @@
         </p:blipFill>
         <p:spPr>
           <a:xfrm>
-            <a:off x="593540" y="679902"/>
-            <a:ext cx="4506248" cy="3030697"/>
+            <a:off x="512527" y="811634"/>
+            <a:ext cx="3947619" cy="2414286"/>
           </a:xfrm>
           <a:prstGeom prst="rect">
             <a:avLst/>
@@ -3499,10 +3502,10 @@
       </p:pic>
       <p:pic>
         <p:nvPicPr>
-          <p:cNvPr id="3" name="Picture 2">
-            <a:extLst>
-              <a:ext uri="{FF2B5EF4-FFF2-40B4-BE49-F238E27FC236}">
-                <a16:creationId xmlns:a16="http://schemas.microsoft.com/office/drawing/2014/main" id="{B0D1FFFD-3F93-4ED0-80F0-5C72BCEBC632}"/>
+          <p:cNvPr id="8" name="Picture 7">
+            <a:extLst>
+              <a:ext uri="{FF2B5EF4-FFF2-40B4-BE49-F238E27FC236}">
+                <a16:creationId xmlns:a16="http://schemas.microsoft.com/office/drawing/2014/main" id="{B75300D5-0E15-41B4-8FC4-825FEF6128CD}"/>
               </a:ext>
             </a:extLst>
           </p:cNvPr>
@@ -3519,8 +3522,8 @@
         </p:blipFill>
         <p:spPr>
           <a:xfrm>
-            <a:off x="6659423" y="679902"/>
-            <a:ext cx="4325255" cy="2908969"/>
+            <a:off x="7060737" y="995915"/>
+            <a:ext cx="3615559" cy="2211204"/>
           </a:xfrm>
           <a:prstGeom prst="rect">
             <a:avLst/>
@@ -3529,10 +3532,10 @@
       </p:pic>
       <p:pic>
         <p:nvPicPr>
-          <p:cNvPr id="5" name="Picture 4">
-            <a:extLst>
-              <a:ext uri="{FF2B5EF4-FFF2-40B4-BE49-F238E27FC236}">
-                <a16:creationId xmlns:a16="http://schemas.microsoft.com/office/drawing/2014/main" id="{5A553AE4-5EBD-4DD9-B7B6-9B5D86027936}"/>
+          <p:cNvPr id="9" name="Picture 8">
+            <a:extLst>
+              <a:ext uri="{FF2B5EF4-FFF2-40B4-BE49-F238E27FC236}">
+                <a16:creationId xmlns:a16="http://schemas.microsoft.com/office/drawing/2014/main" id="{0AA857A2-090E-491C-BA74-A2DB548871AA}"/>
               </a:ext>
             </a:extLst>
           </p:cNvPr>
@@ -3549,8 +3552,8 @@
         </p:blipFill>
         <p:spPr>
           <a:xfrm>
-            <a:off x="593540" y="3949031"/>
-            <a:ext cx="4325255" cy="2908969"/>
+            <a:off x="361526" y="4037554"/>
+            <a:ext cx="3947620" cy="2414286"/>
           </a:xfrm>
           <a:prstGeom prst="rect">
             <a:avLst/>
@@ -3559,10 +3562,10 @@
       </p:pic>
       <p:pic>
         <p:nvPicPr>
-          <p:cNvPr id="6" name="Picture 5">
-            <a:extLst>
-              <a:ext uri="{FF2B5EF4-FFF2-40B4-BE49-F238E27FC236}">
-                <a16:creationId xmlns:a16="http://schemas.microsoft.com/office/drawing/2014/main" id="{5BBA95F5-34F5-43CB-98D1-7B0F374F7191}"/>
+          <p:cNvPr id="10" name="Picture 9">
+            <a:extLst>
+              <a:ext uri="{FF2B5EF4-FFF2-40B4-BE49-F238E27FC236}">
+                <a16:creationId xmlns:a16="http://schemas.microsoft.com/office/drawing/2014/main" id="{2C010E50-541D-467B-857C-5383E6836739}"/>
               </a:ext>
             </a:extLst>
           </p:cNvPr>
@@ -3579,8 +3582,8 @@
         </p:blipFill>
         <p:spPr>
           <a:xfrm>
-            <a:off x="6481067" y="3656867"/>
-            <a:ext cx="4681969" cy="3148879"/>
+            <a:off x="7023337" y="4116222"/>
+            <a:ext cx="3690357" cy="2256949"/>
           </a:xfrm>
           <a:prstGeom prst="rect">
             <a:avLst/>
@@ -3619,10 +3622,10 @@
       </p:grpSpPr>
       <p:sp>
         <p:nvSpPr>
-          <p:cNvPr id="2" name="Title 1">
-            <a:extLst>
-              <a:ext uri="{FF2B5EF4-FFF2-40B4-BE49-F238E27FC236}">
-                <a16:creationId xmlns:a16="http://schemas.microsoft.com/office/drawing/2014/main" id="{AD584A5A-8240-4177-827B-788B43A7CF95}"/>
+          <p:cNvPr id="4" name="Title 1">
+            <a:extLst>
+              <a:ext uri="{FF2B5EF4-FFF2-40B4-BE49-F238E27FC236}">
+                <a16:creationId xmlns:a16="http://schemas.microsoft.com/office/drawing/2014/main" id="{F90A0724-B0F6-4615-A9A9-B38E3C20CF20}"/>
               </a:ext>
             </a:extLst>
           </p:cNvPr>
@@ -3635,8 +3638,8 @@
         </p:nvSpPr>
         <p:spPr>
           <a:xfrm>
-            <a:off x="410362" y="180567"/>
-            <a:ext cx="11334225" cy="868057"/>
+            <a:off x="175470" y="0"/>
+            <a:ext cx="9169866" cy="977114"/>
           </a:xfrm>
         </p:spPr>
         <p:txBody>
@@ -3647,17 +3650,17 @@
           <a:p>
             <a:r>
               <a:rPr lang="en-US" sz="2400" dirty="0"/>
-              <a:t>Participants who showed downwards decreasing RT slope, p&lt; .1 (n= 11)</a:t>
+              <a:t>High RPE trials only </a:t>
             </a:r>
           </a:p>
         </p:txBody>
       </p:sp>
       <p:pic>
         <p:nvPicPr>
-          <p:cNvPr id="3" name="Picture 2">
-            <a:extLst>
-              <a:ext uri="{FF2B5EF4-FFF2-40B4-BE49-F238E27FC236}">
-                <a16:creationId xmlns:a16="http://schemas.microsoft.com/office/drawing/2014/main" id="{C7358362-00E7-46FE-A20A-E78050F05B27}"/>
+          <p:cNvPr id="2" name="Picture 1">
+            <a:extLst>
+              <a:ext uri="{FF2B5EF4-FFF2-40B4-BE49-F238E27FC236}">
+                <a16:creationId xmlns:a16="http://schemas.microsoft.com/office/drawing/2014/main" id="{D7F42FC3-D8E4-4E1D-A59A-97049A1EAE5B}"/>
               </a:ext>
             </a:extLst>
           </p:cNvPr>
@@ -3674,8 +3677,8 @@
         </p:blipFill>
         <p:spPr>
           <a:xfrm>
-            <a:off x="881538" y="3766963"/>
-            <a:ext cx="3561142" cy="2498836"/>
+            <a:off x="286025" y="977114"/>
+            <a:ext cx="3530966" cy="2159469"/>
           </a:xfrm>
           <a:prstGeom prst="rect">
             <a:avLst/>
@@ -3684,10 +3687,10 @@
       </p:pic>
       <p:pic>
         <p:nvPicPr>
-          <p:cNvPr id="4" name="Picture 3">
-            <a:extLst>
-              <a:ext uri="{FF2B5EF4-FFF2-40B4-BE49-F238E27FC236}">
-                <a16:creationId xmlns:a16="http://schemas.microsoft.com/office/drawing/2014/main" id="{A12DF342-8BC3-4B6E-A82C-2139181486A8}"/>
+          <p:cNvPr id="3" name="Picture 2">
+            <a:extLst>
+              <a:ext uri="{FF2B5EF4-FFF2-40B4-BE49-F238E27FC236}">
+                <a16:creationId xmlns:a16="http://schemas.microsoft.com/office/drawing/2014/main" id="{4EF1FD36-3041-4B57-909A-24F78A5D2A5B}"/>
               </a:ext>
             </a:extLst>
           </p:cNvPr>
@@ -3704,59 +3707,20 @@
         </p:blipFill>
         <p:spPr>
           <a:xfrm>
-            <a:off x="881538" y="904047"/>
-            <a:ext cx="3804402" cy="2669530"/>
+            <a:off x="7371526" y="849706"/>
+            <a:ext cx="3947619" cy="2414286"/>
           </a:xfrm>
           <a:prstGeom prst="rect">
             <a:avLst/>
           </a:prstGeom>
         </p:spPr>
       </p:pic>
-      <p:sp>
-        <p:nvSpPr>
-          <p:cNvPr id="5" name="TextBox 4">
-            <a:extLst>
-              <a:ext uri="{FF2B5EF4-FFF2-40B4-BE49-F238E27FC236}">
-                <a16:creationId xmlns:a16="http://schemas.microsoft.com/office/drawing/2014/main" id="{B0AA506D-A337-45D7-92EA-7D2588147729}"/>
-              </a:ext>
-            </a:extLst>
-          </p:cNvPr>
-          <p:cNvSpPr txBox="1"/>
-          <p:nvPr/>
-        </p:nvSpPr>
-        <p:spPr>
-          <a:xfrm>
-            <a:off x="123617" y="6459185"/>
-            <a:ext cx="1827616" cy="369332"/>
-          </a:xfrm>
-          <a:prstGeom prst="rect">
-            <a:avLst/>
-          </a:prstGeom>
-          <a:noFill/>
-        </p:spPr>
-        <p:txBody>
-          <a:bodyPr wrap="none" rtlCol="0">
-            <a:spAutoFit/>
-          </a:bodyPr>
-          <a:lstStyle/>
-          <a:p>
-            <a:r>
-              <a:rPr lang="en-US" dirty="0" err="1"/>
-              <a:t>OddsScore</a:t>
-            </a:r>
-            <a:r>
-              <a:rPr lang="en-US" dirty="0"/>
-              <a:t>: 46.27</a:t>
-            </a:r>
-          </a:p>
-        </p:txBody>
-      </p:sp>
       <p:pic>
         <p:nvPicPr>
-          <p:cNvPr id="6" name="Picture 5">
-            <a:extLst>
-              <a:ext uri="{FF2B5EF4-FFF2-40B4-BE49-F238E27FC236}">
-                <a16:creationId xmlns:a16="http://schemas.microsoft.com/office/drawing/2014/main" id="{FBE478D1-0785-4C5B-8780-07106F224B32}"/>
+          <p:cNvPr id="5" name="Picture 4">
+            <a:extLst>
+              <a:ext uri="{FF2B5EF4-FFF2-40B4-BE49-F238E27FC236}">
+                <a16:creationId xmlns:a16="http://schemas.microsoft.com/office/drawing/2014/main" id="{7C8A887A-04EE-4855-9191-9E0D724DE90E}"/>
               </a:ext>
             </a:extLst>
           </p:cNvPr>
@@ -3773,8 +3737,8 @@
         </p:blipFill>
         <p:spPr>
           <a:xfrm>
-            <a:off x="6572576" y="3766963"/>
-            <a:ext cx="3561143" cy="2498836"/>
+            <a:off x="286026" y="4090363"/>
+            <a:ext cx="4210474" cy="2575043"/>
           </a:xfrm>
           <a:prstGeom prst="rect">
             <a:avLst/>
@@ -3783,10 +3747,10 @@
       </p:pic>
       <p:pic>
         <p:nvPicPr>
-          <p:cNvPr id="10" name="Picture 9">
-            <a:extLst>
-              <a:ext uri="{FF2B5EF4-FFF2-40B4-BE49-F238E27FC236}">
-                <a16:creationId xmlns:a16="http://schemas.microsoft.com/office/drawing/2014/main" id="{F0432BD7-5567-4AAB-9B14-DC771C5CCE98}"/>
+          <p:cNvPr id="11" name="Picture 10">
+            <a:extLst>
+              <a:ext uri="{FF2B5EF4-FFF2-40B4-BE49-F238E27FC236}">
+                <a16:creationId xmlns:a16="http://schemas.microsoft.com/office/drawing/2014/main" id="{C2B083D7-3CF5-4BB3-8D57-36771226B0D9}"/>
               </a:ext>
             </a:extLst>
           </p:cNvPr>
@@ -3803,8 +3767,8 @@
         </p:blipFill>
         <p:spPr>
           <a:xfrm>
-            <a:off x="6572576" y="759471"/>
-            <a:ext cx="3804401" cy="2669529"/>
+            <a:off x="7371526" y="4090363"/>
+            <a:ext cx="3874914" cy="2369821"/>
           </a:xfrm>
           <a:prstGeom prst="rect">
             <a:avLst/>
@@ -3814,7 +3778,7 @@
     </p:spTree>
     <p:extLst>
       <p:ext uri="{BB962C8B-B14F-4D97-AF65-F5344CB8AC3E}">
-        <p14:creationId xmlns:p14="http://schemas.microsoft.com/office/powerpoint/2010/main" val="528269178"/>
+        <p14:creationId xmlns:p14="http://schemas.microsoft.com/office/powerpoint/2010/main" val="1821065100"/>
       </p:ext>
     </p:extLst>
   </p:cSld>
@@ -3871,17 +3835,56 @@
           <a:p>
             <a:r>
               <a:rPr lang="en-US" sz="2400" dirty="0"/>
-              <a:t>Upper quartile of logical gamblers split (n=7)</a:t>
+              <a:t>Participants who showed downwards decreasing RT slope, p&lt; .1 (n= 17)</a:t>
+            </a:r>
+          </a:p>
+        </p:txBody>
+      </p:sp>
+      <p:sp>
+        <p:nvSpPr>
+          <p:cNvPr id="5" name="TextBox 4">
+            <a:extLst>
+              <a:ext uri="{FF2B5EF4-FFF2-40B4-BE49-F238E27FC236}">
+                <a16:creationId xmlns:a16="http://schemas.microsoft.com/office/drawing/2014/main" id="{B0AA506D-A337-45D7-92EA-7D2588147729}"/>
+              </a:ext>
+            </a:extLst>
+          </p:cNvPr>
+          <p:cNvSpPr txBox="1"/>
+          <p:nvPr/>
+        </p:nvSpPr>
+        <p:spPr>
+          <a:xfrm>
+            <a:off x="123617" y="6459185"/>
+            <a:ext cx="1827616" cy="369332"/>
+          </a:xfrm>
+          <a:prstGeom prst="rect">
+            <a:avLst/>
+          </a:prstGeom>
+          <a:noFill/>
+        </p:spPr>
+        <p:txBody>
+          <a:bodyPr wrap="none" rtlCol="0">
+            <a:spAutoFit/>
+          </a:bodyPr>
+          <a:lstStyle/>
+          <a:p>
+            <a:r>
+              <a:rPr lang="en-US" dirty="0" err="1"/>
+              <a:t>OddsScore</a:t>
+            </a:r>
+            <a:r>
+              <a:rPr lang="en-US" dirty="0"/>
+              <a:t>: 50.76</a:t>
             </a:r>
           </a:p>
         </p:txBody>
       </p:sp>
       <p:pic>
         <p:nvPicPr>
-          <p:cNvPr id="3" name="Picture 2">
-            <a:extLst>
-              <a:ext uri="{FF2B5EF4-FFF2-40B4-BE49-F238E27FC236}">
-                <a16:creationId xmlns:a16="http://schemas.microsoft.com/office/drawing/2014/main" id="{5DB64099-63E9-4E40-AE4E-0C067A3050E0}"/>
+          <p:cNvPr id="8" name="Picture 7">
+            <a:extLst>
+              <a:ext uri="{FF2B5EF4-FFF2-40B4-BE49-F238E27FC236}">
+                <a16:creationId xmlns:a16="http://schemas.microsoft.com/office/drawing/2014/main" id="{B68B5690-4776-4E4D-B48A-4B056CB2E04D}"/>
               </a:ext>
             </a:extLst>
           </p:cNvPr>
@@ -3898,8 +3901,8 @@
         </p:blipFill>
         <p:spPr>
           <a:xfrm>
-            <a:off x="236955" y="3633721"/>
-            <a:ext cx="4490057" cy="3150650"/>
+            <a:off x="310009" y="1485912"/>
+            <a:ext cx="3624044" cy="2216394"/>
           </a:xfrm>
           <a:prstGeom prst="rect">
             <a:avLst/>
@@ -3908,10 +3911,10 @@
       </p:pic>
       <p:pic>
         <p:nvPicPr>
-          <p:cNvPr id="5" name="Picture 4">
-            <a:extLst>
-              <a:ext uri="{FF2B5EF4-FFF2-40B4-BE49-F238E27FC236}">
-                <a16:creationId xmlns:a16="http://schemas.microsoft.com/office/drawing/2014/main" id="{5F4BE699-6F1E-415A-822B-0EE484F11D20}"/>
+          <p:cNvPr id="11" name="Picture 10">
+            <a:extLst>
+              <a:ext uri="{FF2B5EF4-FFF2-40B4-BE49-F238E27FC236}">
+                <a16:creationId xmlns:a16="http://schemas.microsoft.com/office/drawing/2014/main" id="{54A71D8F-D305-452F-B53B-3F687EE9E148}"/>
               </a:ext>
             </a:extLst>
           </p:cNvPr>
@@ -3928,8 +3931,8 @@
         </p:blipFill>
         <p:spPr>
           <a:xfrm>
-            <a:off x="7426171" y="3633721"/>
-            <a:ext cx="4069143" cy="2855298"/>
+            <a:off x="421410" y="4058806"/>
+            <a:ext cx="3401242" cy="2080132"/>
           </a:xfrm>
           <a:prstGeom prst="rect">
             <a:avLst/>
@@ -3938,10 +3941,10 @@
       </p:pic>
       <p:pic>
         <p:nvPicPr>
-          <p:cNvPr id="6" name="Picture 5">
-            <a:extLst>
-              <a:ext uri="{FF2B5EF4-FFF2-40B4-BE49-F238E27FC236}">
-                <a16:creationId xmlns:a16="http://schemas.microsoft.com/office/drawing/2014/main" id="{1F1EC4DB-7212-4E0F-B221-883758CD49DC}"/>
+          <p:cNvPr id="12" name="Picture 11">
+            <a:extLst>
+              <a:ext uri="{FF2B5EF4-FFF2-40B4-BE49-F238E27FC236}">
+                <a16:creationId xmlns:a16="http://schemas.microsoft.com/office/drawing/2014/main" id="{C84E1872-AB49-4010-9409-A44B78BE38CA}"/>
               </a:ext>
             </a:extLst>
           </p:cNvPr>
@@ -3958,8 +3961,8 @@
         </p:blipFill>
         <p:spPr>
           <a:xfrm>
-            <a:off x="447413" y="913524"/>
-            <a:ext cx="4069143" cy="2855297"/>
+            <a:off x="7202896" y="4171562"/>
+            <a:ext cx="3401242" cy="2080132"/>
           </a:xfrm>
           <a:prstGeom prst="rect">
             <a:avLst/>
@@ -3968,10 +3971,10 @@
       </p:pic>
       <p:pic>
         <p:nvPicPr>
-          <p:cNvPr id="7" name="Picture 6">
-            <a:extLst>
-              <a:ext uri="{FF2B5EF4-FFF2-40B4-BE49-F238E27FC236}">
-                <a16:creationId xmlns:a16="http://schemas.microsoft.com/office/drawing/2014/main" id="{4828C23E-4426-44E4-BC9E-6BF166A88BDE}"/>
+          <p:cNvPr id="14" name="Picture 13">
+            <a:extLst>
+              <a:ext uri="{FF2B5EF4-FFF2-40B4-BE49-F238E27FC236}">
+                <a16:creationId xmlns:a16="http://schemas.microsoft.com/office/drawing/2014/main" id="{A30FE962-02C4-49C8-ADED-6BB83A885B42}"/>
               </a:ext>
             </a:extLst>
           </p:cNvPr>
@@ -3988,8 +3991,8 @@
         </p:blipFill>
         <p:spPr>
           <a:xfrm>
-            <a:off x="7193943" y="368982"/>
-            <a:ext cx="4069143" cy="2855298"/>
+            <a:off x="7139830" y="1048624"/>
+            <a:ext cx="3401242" cy="2080132"/>
           </a:xfrm>
           <a:prstGeom prst="rect">
             <a:avLst/>
@@ -3999,7 +4002,7 @@
     </p:spTree>
     <p:extLst>
       <p:ext uri="{BB962C8B-B14F-4D97-AF65-F5344CB8AC3E}">
-        <p14:creationId xmlns:p14="http://schemas.microsoft.com/office/powerpoint/2010/main" val="2088590608"/>
+        <p14:creationId xmlns:p14="http://schemas.microsoft.com/office/powerpoint/2010/main" val="528269178"/>
       </p:ext>
     </p:extLst>
   </p:cSld>
@@ -4056,17 +4059,17 @@
           <a:p>
             <a:r>
               <a:rPr lang="en-US" sz="2400" dirty="0"/>
-              <a:t>Participants who failed risk averse trials(n=7)</a:t>
+              <a:t>Upper quartile of logical gamblers split (n=13)</a:t>
             </a:r>
           </a:p>
         </p:txBody>
       </p:sp>
       <p:pic>
         <p:nvPicPr>
-          <p:cNvPr id="10" name="Picture 9">
-            <a:extLst>
-              <a:ext uri="{FF2B5EF4-FFF2-40B4-BE49-F238E27FC236}">
-                <a16:creationId xmlns:a16="http://schemas.microsoft.com/office/drawing/2014/main" id="{381EBEF0-BD4B-4A99-96BF-361CD988F940}"/>
+          <p:cNvPr id="4" name="Picture 3">
+            <a:extLst>
+              <a:ext uri="{FF2B5EF4-FFF2-40B4-BE49-F238E27FC236}">
+                <a16:creationId xmlns:a16="http://schemas.microsoft.com/office/drawing/2014/main" id="{FC0B9B9E-7376-4376-B27D-B5B795063E20}"/>
               </a:ext>
             </a:extLst>
           </p:cNvPr>
@@ -4083,8 +4086,8 @@
         </p:blipFill>
         <p:spPr>
           <a:xfrm>
-            <a:off x="7315638" y="1114601"/>
-            <a:ext cx="3723837" cy="2504483"/>
+            <a:off x="1233981" y="4001070"/>
+            <a:ext cx="3807802" cy="2328776"/>
           </a:xfrm>
           <a:prstGeom prst="rect">
             <a:avLst/>
@@ -4093,10 +4096,10 @@
       </p:pic>
       <p:pic>
         <p:nvPicPr>
-          <p:cNvPr id="11" name="Picture 10">
-            <a:extLst>
-              <a:ext uri="{FF2B5EF4-FFF2-40B4-BE49-F238E27FC236}">
-                <a16:creationId xmlns:a16="http://schemas.microsoft.com/office/drawing/2014/main" id="{C25768C8-F54E-45B2-893B-BF544D25D2B5}"/>
+          <p:cNvPr id="8" name="Picture 7">
+            <a:extLst>
+              <a:ext uri="{FF2B5EF4-FFF2-40B4-BE49-F238E27FC236}">
+                <a16:creationId xmlns:a16="http://schemas.microsoft.com/office/drawing/2014/main" id="{41CC26D0-7272-40F2-873A-0D7ECE32A525}"/>
               </a:ext>
             </a:extLst>
           </p:cNvPr>
@@ -4113,8 +4116,8 @@
         </p:blipFill>
         <p:spPr>
           <a:xfrm>
-            <a:off x="905314" y="3619084"/>
-            <a:ext cx="3723838" cy="2504484"/>
+            <a:off x="663529" y="931178"/>
+            <a:ext cx="4643751" cy="2840026"/>
           </a:xfrm>
           <a:prstGeom prst="rect">
             <a:avLst/>
@@ -4123,10 +4126,10 @@
       </p:pic>
       <p:pic>
         <p:nvPicPr>
-          <p:cNvPr id="12" name="Picture 11">
-            <a:extLst>
-              <a:ext uri="{FF2B5EF4-FFF2-40B4-BE49-F238E27FC236}">
-                <a16:creationId xmlns:a16="http://schemas.microsoft.com/office/drawing/2014/main" id="{197AEC60-694D-43FE-A6C7-B5D42801C629}"/>
+          <p:cNvPr id="9" name="Picture 8">
+            <a:extLst>
+              <a:ext uri="{FF2B5EF4-FFF2-40B4-BE49-F238E27FC236}">
+                <a16:creationId xmlns:a16="http://schemas.microsoft.com/office/drawing/2014/main" id="{9F5978A5-8FF1-4637-B159-C5E01A2F9C88}"/>
               </a:ext>
             </a:extLst>
           </p:cNvPr>
@@ -4143,8 +4146,8 @@
         </p:blipFill>
         <p:spPr>
           <a:xfrm>
-            <a:off x="7048938" y="3911914"/>
-            <a:ext cx="3990537" cy="2683853"/>
+            <a:off x="7819338" y="4001070"/>
+            <a:ext cx="3807802" cy="2328776"/>
           </a:xfrm>
           <a:prstGeom prst="rect">
             <a:avLst/>
@@ -4153,10 +4156,10 @@
       </p:pic>
       <p:pic>
         <p:nvPicPr>
-          <p:cNvPr id="13" name="Picture 12">
-            <a:extLst>
-              <a:ext uri="{FF2B5EF4-FFF2-40B4-BE49-F238E27FC236}">
-                <a16:creationId xmlns:a16="http://schemas.microsoft.com/office/drawing/2014/main" id="{9C7BF5D6-F646-4EE4-9C86-75B5CD0E24C2}"/>
+          <p:cNvPr id="10" name="Picture 9">
+            <a:extLst>
+              <a:ext uri="{FF2B5EF4-FFF2-40B4-BE49-F238E27FC236}">
+                <a16:creationId xmlns:a16="http://schemas.microsoft.com/office/drawing/2014/main" id="{C7396EE8-E73B-45EA-BC3F-8D3217619C10}"/>
               </a:ext>
             </a:extLst>
           </p:cNvPr>
@@ -4173,8 +4176,536 @@
         </p:blipFill>
         <p:spPr>
           <a:xfrm>
-            <a:off x="447413" y="839782"/>
-            <a:ext cx="3962401" cy="2664930"/>
+            <a:off x="7349556" y="702577"/>
+            <a:ext cx="3947619" cy="2414286"/>
+          </a:xfrm>
+          <a:prstGeom prst="rect">
+            <a:avLst/>
+          </a:prstGeom>
+        </p:spPr>
+      </p:pic>
+      <p:sp>
+        <p:nvSpPr>
+          <p:cNvPr id="11" name="TextBox 10">
+            <a:extLst>
+              <a:ext uri="{FF2B5EF4-FFF2-40B4-BE49-F238E27FC236}">
+                <a16:creationId xmlns:a16="http://schemas.microsoft.com/office/drawing/2014/main" id="{81E67ADF-A8E7-462A-849F-1F7EF3855B02}"/>
+              </a:ext>
+            </a:extLst>
+          </p:cNvPr>
+          <p:cNvSpPr txBox="1"/>
+          <p:nvPr/>
+        </p:nvSpPr>
+        <p:spPr>
+          <a:xfrm>
+            <a:off x="123617" y="6459185"/>
+            <a:ext cx="1535870" cy="369332"/>
+          </a:xfrm>
+          <a:prstGeom prst="rect">
+            <a:avLst/>
+          </a:prstGeom>
+          <a:noFill/>
+        </p:spPr>
+        <p:txBody>
+          <a:bodyPr wrap="none" rtlCol="0">
+            <a:spAutoFit/>
+          </a:bodyPr>
+          <a:lstStyle/>
+          <a:p>
+            <a:r>
+              <a:rPr lang="en-US" dirty="0" err="1"/>
+              <a:t>OddsScore</a:t>
+            </a:r>
+            <a:r>
+              <a:rPr lang="en-US" dirty="0"/>
+              <a:t>: 83</a:t>
+            </a:r>
+          </a:p>
+        </p:txBody>
+      </p:sp>
+    </p:spTree>
+    <p:extLst>
+      <p:ext uri="{BB962C8B-B14F-4D97-AF65-F5344CB8AC3E}">
+        <p14:creationId xmlns:p14="http://schemas.microsoft.com/office/powerpoint/2010/main" val="2088590608"/>
+      </p:ext>
+    </p:extLst>
+  </p:cSld>
+  <p:clrMapOvr>
+    <a:masterClrMapping/>
+  </p:clrMapOvr>
+</p:sld>
+</file>
+
+<file path=ppt/slides/slide14.xml><?xml version="1.0" encoding="utf-8"?>
+<p:sld xmlns:a="http://schemas.openxmlformats.org/drawingml/2006/main" xmlns:r="http://schemas.openxmlformats.org/officeDocument/2006/relationships" xmlns:p="http://schemas.openxmlformats.org/presentationml/2006/main">
+  <p:cSld>
+    <p:spTree>
+      <p:nvGrpSpPr>
+        <p:cNvPr id="1" name=""/>
+        <p:cNvGrpSpPr/>
+        <p:nvPr/>
+      </p:nvGrpSpPr>
+      <p:grpSpPr>
+        <a:xfrm>
+          <a:off x="0" y="0"/>
+          <a:ext cx="0" cy="0"/>
+          <a:chOff x="0" y="0"/>
+          <a:chExt cx="0" cy="0"/>
+        </a:xfrm>
+      </p:grpSpPr>
+      <p:sp>
+        <p:nvSpPr>
+          <p:cNvPr id="2" name="Title 1">
+            <a:extLst>
+              <a:ext uri="{FF2B5EF4-FFF2-40B4-BE49-F238E27FC236}">
+                <a16:creationId xmlns:a16="http://schemas.microsoft.com/office/drawing/2014/main" id="{AD584A5A-8240-4177-827B-788B43A7CF95}"/>
+              </a:ext>
+            </a:extLst>
+          </p:cNvPr>
+          <p:cNvSpPr>
+            <a:spLocks noGrp="1"/>
+          </p:cNvSpPr>
+          <p:nvPr>
+            <p:ph type="title"/>
+          </p:nvPr>
+        </p:nvSpPr>
+        <p:spPr>
+          <a:xfrm>
+            <a:off x="410362" y="180567"/>
+            <a:ext cx="11334225" cy="868057"/>
+          </a:xfrm>
+        </p:spPr>
+        <p:txBody>
+          <a:bodyPr>
+            <a:normAutofit/>
+          </a:bodyPr>
+          <a:lstStyle/>
+          <a:p>
+            <a:r>
+              <a:rPr lang="en-US" sz="2400" dirty="0"/>
+              <a:t>Participants who passed ALL catch Trials (n=8)</a:t>
+            </a:r>
+          </a:p>
+        </p:txBody>
+      </p:sp>
+      <p:pic>
+        <p:nvPicPr>
+          <p:cNvPr id="3" name="Picture 2">
+            <a:extLst>
+              <a:ext uri="{FF2B5EF4-FFF2-40B4-BE49-F238E27FC236}">
+                <a16:creationId xmlns:a16="http://schemas.microsoft.com/office/drawing/2014/main" id="{9DB22E79-BBAF-472D-B52F-65A330ED0754}"/>
+              </a:ext>
+            </a:extLst>
+          </p:cNvPr>
+          <p:cNvPicPr>
+            <a:picLocks noChangeAspect="1"/>
+          </p:cNvPicPr>
+          <p:nvPr/>
+        </p:nvPicPr>
+        <p:blipFill>
+          <a:blip r:embed="rId2"/>
+          <a:stretch>
+            <a:fillRect/>
+          </a:stretch>
+        </p:blipFill>
+        <p:spPr>
+          <a:xfrm>
+            <a:off x="6493878" y="1174791"/>
+            <a:ext cx="4269197" cy="2610956"/>
+          </a:xfrm>
+          <a:prstGeom prst="rect">
+            <a:avLst/>
+          </a:prstGeom>
+        </p:spPr>
+      </p:pic>
+      <p:pic>
+        <p:nvPicPr>
+          <p:cNvPr id="4" name="Picture 3">
+            <a:extLst>
+              <a:ext uri="{FF2B5EF4-FFF2-40B4-BE49-F238E27FC236}">
+                <a16:creationId xmlns:a16="http://schemas.microsoft.com/office/drawing/2014/main" id="{3808030F-8B18-4AD5-BB18-9997A4CD6AFD}"/>
+              </a:ext>
+            </a:extLst>
+          </p:cNvPr>
+          <p:cNvPicPr>
+            <a:picLocks noChangeAspect="1"/>
+          </p:cNvPicPr>
+          <p:nvPr/>
+        </p:nvPicPr>
+        <p:blipFill>
+          <a:blip r:embed="rId3"/>
+          <a:stretch>
+            <a:fillRect/>
+          </a:stretch>
+        </p:blipFill>
+        <p:spPr>
+          <a:xfrm>
+            <a:off x="604807" y="3881951"/>
+            <a:ext cx="4345497" cy="2657620"/>
+          </a:xfrm>
+          <a:prstGeom prst="rect">
+            <a:avLst/>
+          </a:prstGeom>
+        </p:spPr>
+      </p:pic>
+      <p:pic>
+        <p:nvPicPr>
+          <p:cNvPr id="5" name="Picture 4">
+            <a:extLst>
+              <a:ext uri="{FF2B5EF4-FFF2-40B4-BE49-F238E27FC236}">
+                <a16:creationId xmlns:a16="http://schemas.microsoft.com/office/drawing/2014/main" id="{F1C23AAB-901C-47CE-A9D9-986A93A8B3DD}"/>
+              </a:ext>
+            </a:extLst>
+          </p:cNvPr>
+          <p:cNvPicPr>
+            <a:picLocks noChangeAspect="1"/>
+          </p:cNvPicPr>
+          <p:nvPr/>
+        </p:nvPicPr>
+        <p:blipFill>
+          <a:blip r:embed="rId4"/>
+          <a:stretch>
+            <a:fillRect/>
+          </a:stretch>
+        </p:blipFill>
+        <p:spPr>
+          <a:xfrm>
+            <a:off x="6654667" y="3617724"/>
+            <a:ext cx="3947618" cy="2414285"/>
+          </a:xfrm>
+          <a:prstGeom prst="rect">
+            <a:avLst/>
+          </a:prstGeom>
+        </p:spPr>
+      </p:pic>
+      <p:pic>
+        <p:nvPicPr>
+          <p:cNvPr id="6" name="Picture 5">
+            <a:extLst>
+              <a:ext uri="{FF2B5EF4-FFF2-40B4-BE49-F238E27FC236}">
+                <a16:creationId xmlns:a16="http://schemas.microsoft.com/office/drawing/2014/main" id="{997CC378-BCAA-4B38-A45D-DB1381FFF713}"/>
+              </a:ext>
+            </a:extLst>
+          </p:cNvPr>
+          <p:cNvPicPr>
+            <a:picLocks noChangeAspect="1"/>
+          </p:cNvPicPr>
+          <p:nvPr/>
+        </p:nvPicPr>
+        <p:blipFill>
+          <a:blip r:embed="rId5"/>
+          <a:stretch>
+            <a:fillRect/>
+          </a:stretch>
+        </p:blipFill>
+        <p:spPr>
+          <a:xfrm>
+            <a:off x="1116535" y="1174791"/>
+            <a:ext cx="3656801" cy="2236427"/>
+          </a:xfrm>
+          <a:prstGeom prst="rect">
+            <a:avLst/>
+          </a:prstGeom>
+        </p:spPr>
+      </p:pic>
+      <p:sp>
+        <p:nvSpPr>
+          <p:cNvPr id="7" name="TextBox 6">
+            <a:extLst>
+              <a:ext uri="{FF2B5EF4-FFF2-40B4-BE49-F238E27FC236}">
+                <a16:creationId xmlns:a16="http://schemas.microsoft.com/office/drawing/2014/main" id="{4848CB2F-BDC6-4BCF-821B-0AA29A34AD63}"/>
+              </a:ext>
+            </a:extLst>
+          </p:cNvPr>
+          <p:cNvSpPr txBox="1"/>
+          <p:nvPr/>
+        </p:nvSpPr>
+        <p:spPr>
+          <a:xfrm>
+            <a:off x="7141777" y="6247810"/>
+            <a:ext cx="3834704" cy="400110"/>
+          </a:xfrm>
+          <a:prstGeom prst="rect">
+            <a:avLst/>
+          </a:prstGeom>
+          <a:noFill/>
+        </p:spPr>
+        <p:txBody>
+          <a:bodyPr wrap="none" rtlCol="0">
+            <a:spAutoFit/>
+          </a:bodyPr>
+          <a:lstStyle/>
+          <a:p>
+            <a:r>
+              <a:rPr lang="en-US" sz="1000" dirty="0"/>
+              <a:t>Note: 4 participants in this subgroup were also in the logical gamblers </a:t>
+            </a:r>
+          </a:p>
+          <a:p>
+            <a:r>
+              <a:rPr lang="en-US" sz="1000" dirty="0"/>
+              <a:t>subgroup (meaning they paid attention to odds)</a:t>
+            </a:r>
+          </a:p>
+        </p:txBody>
+      </p:sp>
+      <p:sp>
+        <p:nvSpPr>
+          <p:cNvPr id="14" name="TextBox 13">
+            <a:extLst>
+              <a:ext uri="{FF2B5EF4-FFF2-40B4-BE49-F238E27FC236}">
+                <a16:creationId xmlns:a16="http://schemas.microsoft.com/office/drawing/2014/main" id="{E68A1D89-6FAE-4EDD-849B-DC442F0C0FB3}"/>
+              </a:ext>
+            </a:extLst>
+          </p:cNvPr>
+          <p:cNvSpPr txBox="1"/>
+          <p:nvPr/>
+        </p:nvSpPr>
+        <p:spPr>
+          <a:xfrm>
+            <a:off x="123617" y="6459185"/>
+            <a:ext cx="1535870" cy="369332"/>
+          </a:xfrm>
+          <a:prstGeom prst="rect">
+            <a:avLst/>
+          </a:prstGeom>
+          <a:noFill/>
+        </p:spPr>
+        <p:txBody>
+          <a:bodyPr wrap="none" rtlCol="0">
+            <a:spAutoFit/>
+          </a:bodyPr>
+          <a:lstStyle/>
+          <a:p>
+            <a:r>
+              <a:rPr lang="en-US" dirty="0" err="1"/>
+              <a:t>OddsScore</a:t>
+            </a:r>
+            <a:r>
+              <a:rPr lang="en-US" dirty="0"/>
+              <a:t>: 75</a:t>
+            </a:r>
+          </a:p>
+        </p:txBody>
+      </p:sp>
+    </p:spTree>
+    <p:extLst>
+      <p:ext uri="{BB962C8B-B14F-4D97-AF65-F5344CB8AC3E}">
+        <p14:creationId xmlns:p14="http://schemas.microsoft.com/office/powerpoint/2010/main" val="2793037260"/>
+      </p:ext>
+    </p:extLst>
+  </p:cSld>
+  <p:clrMapOvr>
+    <a:masterClrMapping/>
+  </p:clrMapOvr>
+</p:sld>
+</file>
+
+<file path=ppt/slides/slide15.xml><?xml version="1.0" encoding="utf-8"?>
+<p:sld xmlns:a="http://schemas.openxmlformats.org/drawingml/2006/main" xmlns:r="http://schemas.openxmlformats.org/officeDocument/2006/relationships" xmlns:p="http://schemas.openxmlformats.org/presentationml/2006/main">
+  <p:cSld>
+    <p:spTree>
+      <p:nvGrpSpPr>
+        <p:cNvPr id="1" name=""/>
+        <p:cNvGrpSpPr/>
+        <p:nvPr/>
+      </p:nvGrpSpPr>
+      <p:grpSpPr>
+        <a:xfrm>
+          <a:off x="0" y="0"/>
+          <a:ext cx="0" cy="0"/>
+          <a:chOff x="0" y="0"/>
+          <a:chExt cx="0" cy="0"/>
+        </a:xfrm>
+      </p:grpSpPr>
+      <p:sp>
+        <p:nvSpPr>
+          <p:cNvPr id="2" name="Title 1">
+            <a:extLst>
+              <a:ext uri="{FF2B5EF4-FFF2-40B4-BE49-F238E27FC236}">
+                <a16:creationId xmlns:a16="http://schemas.microsoft.com/office/drawing/2014/main" id="{AD584A5A-8240-4177-827B-788B43A7CF95}"/>
+              </a:ext>
+            </a:extLst>
+          </p:cNvPr>
+          <p:cNvSpPr>
+            <a:spLocks noGrp="1"/>
+          </p:cNvSpPr>
+          <p:nvPr>
+            <p:ph type="title"/>
+          </p:nvPr>
+        </p:nvSpPr>
+        <p:spPr>
+          <a:xfrm>
+            <a:off x="410362" y="180567"/>
+            <a:ext cx="11334225" cy="868057"/>
+          </a:xfrm>
+        </p:spPr>
+        <p:txBody>
+          <a:bodyPr>
+            <a:normAutofit/>
+          </a:bodyPr>
+          <a:lstStyle/>
+          <a:p>
+            <a:r>
+              <a:rPr lang="en-US" sz="2400" dirty="0"/>
+              <a:t>Participants who failed catch trials where they SHOULD have gambled (risk averse participants) n=18</a:t>
+            </a:r>
+          </a:p>
+        </p:txBody>
+      </p:sp>
+      <p:pic>
+        <p:nvPicPr>
+          <p:cNvPr id="8" name="Picture 7">
+            <a:extLst>
+              <a:ext uri="{FF2B5EF4-FFF2-40B4-BE49-F238E27FC236}">
+                <a16:creationId xmlns:a16="http://schemas.microsoft.com/office/drawing/2014/main" id="{7CF35130-1AC2-4E44-BA3C-521D86B2C911}"/>
+              </a:ext>
+            </a:extLst>
+          </p:cNvPr>
+          <p:cNvPicPr>
+            <a:picLocks noChangeAspect="1"/>
+          </p:cNvPicPr>
+          <p:nvPr/>
+        </p:nvPicPr>
+        <p:blipFill>
+          <a:blip r:embed="rId2"/>
+          <a:stretch>
+            <a:fillRect/>
+          </a:stretch>
+        </p:blipFill>
+        <p:spPr>
+          <a:xfrm>
+            <a:off x="7886450" y="4081560"/>
+            <a:ext cx="4101417" cy="2508345"/>
+          </a:xfrm>
+          <a:prstGeom prst="rect">
+            <a:avLst/>
+          </a:prstGeom>
+        </p:spPr>
+      </p:pic>
+      <p:pic>
+        <p:nvPicPr>
+          <p:cNvPr id="9" name="Picture 8">
+            <a:extLst>
+              <a:ext uri="{FF2B5EF4-FFF2-40B4-BE49-F238E27FC236}">
+                <a16:creationId xmlns:a16="http://schemas.microsoft.com/office/drawing/2014/main" id="{197CFAEE-9F0E-4A6B-A53D-6A669F2E1995}"/>
+              </a:ext>
+            </a:extLst>
+          </p:cNvPr>
+          <p:cNvPicPr>
+            <a:picLocks noChangeAspect="1"/>
+          </p:cNvPicPr>
+          <p:nvPr/>
+        </p:nvPicPr>
+        <p:blipFill>
+          <a:blip r:embed="rId3"/>
+          <a:stretch>
+            <a:fillRect/>
+          </a:stretch>
+        </p:blipFill>
+        <p:spPr>
+          <a:xfrm>
+            <a:off x="596418" y="4081560"/>
+            <a:ext cx="3947619" cy="2414286"/>
+          </a:xfrm>
+          <a:prstGeom prst="rect">
+            <a:avLst/>
+          </a:prstGeom>
+        </p:spPr>
+      </p:pic>
+      <p:pic>
+        <p:nvPicPr>
+          <p:cNvPr id="10" name="Picture 9">
+            <a:extLst>
+              <a:ext uri="{FF2B5EF4-FFF2-40B4-BE49-F238E27FC236}">
+                <a16:creationId xmlns:a16="http://schemas.microsoft.com/office/drawing/2014/main" id="{6C2BF6EF-B0E9-41F6-A874-59E90AA27ADC}"/>
+              </a:ext>
+            </a:extLst>
+          </p:cNvPr>
+          <p:cNvPicPr>
+            <a:picLocks noChangeAspect="1"/>
+          </p:cNvPicPr>
+          <p:nvPr/>
+        </p:nvPicPr>
+        <p:blipFill>
+          <a:blip r:embed="rId4"/>
+          <a:stretch>
+            <a:fillRect/>
+          </a:stretch>
+        </p:blipFill>
+        <p:spPr>
+          <a:xfrm>
+            <a:off x="512528" y="1173282"/>
+            <a:ext cx="4302753" cy="2631478"/>
+          </a:xfrm>
+          <a:prstGeom prst="rect">
+            <a:avLst/>
+          </a:prstGeom>
+        </p:spPr>
+      </p:pic>
+      <p:sp>
+        <p:nvSpPr>
+          <p:cNvPr id="12" name="TextBox 11">
+            <a:extLst>
+              <a:ext uri="{FF2B5EF4-FFF2-40B4-BE49-F238E27FC236}">
+                <a16:creationId xmlns:a16="http://schemas.microsoft.com/office/drawing/2014/main" id="{E4319BC2-4CDD-4BD5-BB42-8FC6A63A7594}"/>
+              </a:ext>
+            </a:extLst>
+          </p:cNvPr>
+          <p:cNvSpPr txBox="1"/>
+          <p:nvPr/>
+        </p:nvSpPr>
+        <p:spPr>
+          <a:xfrm>
+            <a:off x="123617" y="6459185"/>
+            <a:ext cx="1535870" cy="369332"/>
+          </a:xfrm>
+          <a:prstGeom prst="rect">
+            <a:avLst/>
+          </a:prstGeom>
+          <a:noFill/>
+        </p:spPr>
+        <p:txBody>
+          <a:bodyPr wrap="none" rtlCol="0">
+            <a:spAutoFit/>
+          </a:bodyPr>
+          <a:lstStyle/>
+          <a:p>
+            <a:r>
+              <a:rPr lang="en-US" dirty="0" err="1"/>
+              <a:t>OddsScore</a:t>
+            </a:r>
+            <a:r>
+              <a:rPr lang="en-US" dirty="0"/>
+              <a:t>: 43</a:t>
+            </a:r>
+          </a:p>
+        </p:txBody>
+      </p:sp>
+      <p:pic>
+        <p:nvPicPr>
+          <p:cNvPr id="11" name="Picture 10">
+            <a:extLst>
+              <a:ext uri="{FF2B5EF4-FFF2-40B4-BE49-F238E27FC236}">
+                <a16:creationId xmlns:a16="http://schemas.microsoft.com/office/drawing/2014/main" id="{56C4D1D7-EC20-484C-99D8-019BB3E39CE4}"/>
+              </a:ext>
+            </a:extLst>
+          </p:cNvPr>
+          <p:cNvPicPr>
+            <a:picLocks noChangeAspect="1"/>
+          </p:cNvPicPr>
+          <p:nvPr/>
+        </p:nvPicPr>
+        <p:blipFill>
+          <a:blip r:embed="rId5"/>
+          <a:stretch>
+            <a:fillRect/>
+          </a:stretch>
+        </p:blipFill>
+        <p:spPr>
+          <a:xfrm>
+            <a:off x="6997218" y="906636"/>
+            <a:ext cx="4436977" cy="2713567"/>
           </a:xfrm>
           <a:prstGeom prst="rect">
             <a:avLst/>
@@ -4184,7 +4715,192 @@
     </p:spTree>
     <p:extLst>
       <p:ext uri="{BB962C8B-B14F-4D97-AF65-F5344CB8AC3E}">
-        <p14:creationId xmlns:p14="http://schemas.microsoft.com/office/powerpoint/2010/main" val="2793037260"/>
+        <p14:creationId xmlns:p14="http://schemas.microsoft.com/office/powerpoint/2010/main" val="3368296889"/>
+      </p:ext>
+    </p:extLst>
+  </p:cSld>
+  <p:clrMapOvr>
+    <a:masterClrMapping/>
+  </p:clrMapOvr>
+</p:sld>
+</file>
+
+<file path=ppt/slides/slide16.xml><?xml version="1.0" encoding="utf-8"?>
+<p:sld xmlns:a="http://schemas.openxmlformats.org/drawingml/2006/main" xmlns:r="http://schemas.openxmlformats.org/officeDocument/2006/relationships" xmlns:p="http://schemas.openxmlformats.org/presentationml/2006/main">
+  <p:cSld>
+    <p:spTree>
+      <p:nvGrpSpPr>
+        <p:cNvPr id="1" name=""/>
+        <p:cNvGrpSpPr/>
+        <p:nvPr/>
+      </p:nvGrpSpPr>
+      <p:grpSpPr>
+        <a:xfrm>
+          <a:off x="0" y="0"/>
+          <a:ext cx="0" cy="0"/>
+          <a:chOff x="0" y="0"/>
+          <a:chExt cx="0" cy="0"/>
+        </a:xfrm>
+      </p:grpSpPr>
+      <p:sp>
+        <p:nvSpPr>
+          <p:cNvPr id="2" name="Title 1">
+            <a:extLst>
+              <a:ext uri="{FF2B5EF4-FFF2-40B4-BE49-F238E27FC236}">
+                <a16:creationId xmlns:a16="http://schemas.microsoft.com/office/drawing/2014/main" id="{AD584A5A-8240-4177-827B-788B43A7CF95}"/>
+              </a:ext>
+            </a:extLst>
+          </p:cNvPr>
+          <p:cNvSpPr>
+            <a:spLocks noGrp="1"/>
+          </p:cNvSpPr>
+          <p:nvPr>
+            <p:ph type="title"/>
+          </p:nvPr>
+        </p:nvSpPr>
+        <p:spPr>
+          <a:xfrm>
+            <a:off x="410362" y="180567"/>
+            <a:ext cx="11334225" cy="868057"/>
+          </a:xfrm>
+        </p:spPr>
+        <p:txBody>
+          <a:bodyPr>
+            <a:normAutofit/>
+          </a:bodyPr>
+          <a:lstStyle/>
+          <a:p>
+            <a:r>
+              <a:rPr lang="en-US" sz="2400" dirty="0"/>
+              <a:t>Participants who failed catch trials where they SHOULD NOT have gambled (risk seeking participants) n=40</a:t>
+            </a:r>
+          </a:p>
+        </p:txBody>
+      </p:sp>
+      <p:pic>
+        <p:nvPicPr>
+          <p:cNvPr id="3" name="Picture 2">
+            <a:extLst>
+              <a:ext uri="{FF2B5EF4-FFF2-40B4-BE49-F238E27FC236}">
+                <a16:creationId xmlns:a16="http://schemas.microsoft.com/office/drawing/2014/main" id="{17946F4C-9393-492C-A4CC-A9215E56E002}"/>
+              </a:ext>
+            </a:extLst>
+          </p:cNvPr>
+          <p:cNvPicPr>
+            <a:picLocks noChangeAspect="1"/>
+          </p:cNvPicPr>
+          <p:nvPr/>
+        </p:nvPicPr>
+        <p:blipFill>
+          <a:blip r:embed="rId2"/>
+          <a:stretch>
+            <a:fillRect/>
+          </a:stretch>
+        </p:blipFill>
+        <p:spPr>
+          <a:xfrm>
+            <a:off x="260859" y="4100118"/>
+            <a:ext cx="3947619" cy="2414286"/>
+          </a:xfrm>
+          <a:prstGeom prst="rect">
+            <a:avLst/>
+          </a:prstGeom>
+        </p:spPr>
+      </p:pic>
+      <p:pic>
+        <p:nvPicPr>
+          <p:cNvPr id="4" name="Picture 3">
+            <a:extLst>
+              <a:ext uri="{FF2B5EF4-FFF2-40B4-BE49-F238E27FC236}">
+                <a16:creationId xmlns:a16="http://schemas.microsoft.com/office/drawing/2014/main" id="{BCCD75D1-A3A4-4631-910C-FD301A9DB5C9}"/>
+              </a:ext>
+            </a:extLst>
+          </p:cNvPr>
+          <p:cNvPicPr>
+            <a:picLocks noChangeAspect="1"/>
+          </p:cNvPicPr>
+          <p:nvPr/>
+        </p:nvPicPr>
+        <p:blipFill>
+          <a:blip r:embed="rId3"/>
+          <a:stretch>
+            <a:fillRect/>
+          </a:stretch>
+        </p:blipFill>
+        <p:spPr>
+          <a:xfrm>
+            <a:off x="502741" y="1310576"/>
+            <a:ext cx="3463854" cy="2118424"/>
+          </a:xfrm>
+          <a:prstGeom prst="rect">
+            <a:avLst/>
+          </a:prstGeom>
+        </p:spPr>
+      </p:pic>
+      <p:pic>
+        <p:nvPicPr>
+          <p:cNvPr id="5" name="Picture 4">
+            <a:extLst>
+              <a:ext uri="{FF2B5EF4-FFF2-40B4-BE49-F238E27FC236}">
+                <a16:creationId xmlns:a16="http://schemas.microsoft.com/office/drawing/2014/main" id="{E4844FFE-D478-47A3-8AD6-4F6CEE99A37E}"/>
+              </a:ext>
+            </a:extLst>
+          </p:cNvPr>
+          <p:cNvPicPr>
+            <a:picLocks noChangeAspect="1"/>
+          </p:cNvPicPr>
+          <p:nvPr/>
+        </p:nvPicPr>
+        <p:blipFill>
+          <a:blip r:embed="rId4"/>
+          <a:stretch>
+            <a:fillRect/>
+          </a:stretch>
+        </p:blipFill>
+        <p:spPr>
+          <a:xfrm>
+            <a:off x="7634781" y="4155699"/>
+            <a:ext cx="3765858" cy="2303124"/>
+          </a:xfrm>
+          <a:prstGeom prst="rect">
+            <a:avLst/>
+          </a:prstGeom>
+        </p:spPr>
+      </p:pic>
+      <p:pic>
+        <p:nvPicPr>
+          <p:cNvPr id="6" name="Picture 5">
+            <a:extLst>
+              <a:ext uri="{FF2B5EF4-FFF2-40B4-BE49-F238E27FC236}">
+                <a16:creationId xmlns:a16="http://schemas.microsoft.com/office/drawing/2014/main" id="{E8E035D1-B4E1-48C9-983F-9031432CF4A8}"/>
+              </a:ext>
+            </a:extLst>
+          </p:cNvPr>
+          <p:cNvPicPr>
+            <a:picLocks noChangeAspect="1"/>
+          </p:cNvPicPr>
+          <p:nvPr/>
+        </p:nvPicPr>
+        <p:blipFill>
+          <a:blip r:embed="rId5"/>
+          <a:stretch>
+            <a:fillRect/>
+          </a:stretch>
+        </p:blipFill>
+        <p:spPr>
+          <a:xfrm>
+            <a:off x="7357945" y="1218226"/>
+            <a:ext cx="3765858" cy="2303124"/>
+          </a:xfrm>
+          <a:prstGeom prst="rect">
+            <a:avLst/>
+          </a:prstGeom>
+        </p:spPr>
+      </p:pic>
+    </p:spTree>
+    <p:extLst>
+      <p:ext uri="{BB962C8B-B14F-4D97-AF65-F5344CB8AC3E}">
+        <p14:creationId xmlns:p14="http://schemas.microsoft.com/office/powerpoint/2010/main" val="1976682835"/>
       </p:ext>
     </p:extLst>
   </p:cSld>
@@ -4344,47 +5060,12 @@
           <a:chExt cx="0" cy="0"/>
         </a:xfrm>
       </p:grpSpPr>
-      <p:sp>
-        <p:nvSpPr>
-          <p:cNvPr id="2" name="Title 1">
-            <a:extLst>
-              <a:ext uri="{FF2B5EF4-FFF2-40B4-BE49-F238E27FC236}">
-                <a16:creationId xmlns:a16="http://schemas.microsoft.com/office/drawing/2014/main" id="{D9D1376E-466F-4344-A525-3CDD0256B658}"/>
-              </a:ext>
-            </a:extLst>
-          </p:cNvPr>
-          <p:cNvSpPr>
-            <a:spLocks noGrp="1"/>
-          </p:cNvSpPr>
-          <p:nvPr>
-            <p:ph type="title"/>
-          </p:nvPr>
-        </p:nvSpPr>
-        <p:spPr>
-          <a:xfrm>
-            <a:off x="5883775" y="85541"/>
-            <a:ext cx="5786255" cy="977114"/>
-          </a:xfrm>
-        </p:spPr>
-        <p:txBody>
-          <a:bodyPr>
-            <a:normAutofit/>
-          </a:bodyPr>
-          <a:lstStyle/>
-          <a:p>
-            <a:r>
-              <a:rPr lang="en-US" sz="2400" dirty="0"/>
-              <a:t>First order characteristics of 24 subj.</a:t>
-            </a:r>
-          </a:p>
-        </p:txBody>
-      </p:sp>
       <p:pic>
         <p:nvPicPr>
-          <p:cNvPr id="5" name="Picture 4">
-            <a:extLst>
-              <a:ext uri="{FF2B5EF4-FFF2-40B4-BE49-F238E27FC236}">
-                <a16:creationId xmlns:a16="http://schemas.microsoft.com/office/drawing/2014/main" id="{D3ECBEF5-3DF4-4B6E-8BCD-0E222116F3AD}"/>
+          <p:cNvPr id="3" name="Picture 2">
+            <a:extLst>
+              <a:ext uri="{FF2B5EF4-FFF2-40B4-BE49-F238E27FC236}">
+                <a16:creationId xmlns:a16="http://schemas.microsoft.com/office/drawing/2014/main" id="{2B35DA5F-ADBA-45A2-A182-CC15A1A1EFE8}"/>
               </a:ext>
             </a:extLst>
           </p:cNvPr>
@@ -4401,8 +5082,8 @@
         </p:blipFill>
         <p:spPr>
           <a:xfrm>
-            <a:off x="389517" y="252067"/>
-            <a:ext cx="4217652" cy="3176933"/>
+            <a:off x="513502" y="252067"/>
+            <a:ext cx="3972803" cy="2766773"/>
           </a:xfrm>
           <a:prstGeom prst="rect">
             <a:avLst/>
@@ -4411,10 +5092,10 @@
       </p:pic>
       <p:pic>
         <p:nvPicPr>
-          <p:cNvPr id="11" name="Picture 10">
-            <a:extLst>
-              <a:ext uri="{FF2B5EF4-FFF2-40B4-BE49-F238E27FC236}">
-                <a16:creationId xmlns:a16="http://schemas.microsoft.com/office/drawing/2014/main" id="{AC94040D-F5E2-4999-B3BF-B7CB95D7227E}"/>
+          <p:cNvPr id="4" name="Picture 3">
+            <a:extLst>
+              <a:ext uri="{FF2B5EF4-FFF2-40B4-BE49-F238E27FC236}">
+                <a16:creationId xmlns:a16="http://schemas.microsoft.com/office/drawing/2014/main" id="{134A5012-DA94-44BB-A0CB-5595E5ABE9EB}"/>
               </a:ext>
             </a:extLst>
           </p:cNvPr>
@@ -4431,8 +5112,8 @@
         </p:blipFill>
         <p:spPr>
           <a:xfrm>
-            <a:off x="1046010" y="3923502"/>
-            <a:ext cx="3561159" cy="2682431"/>
+            <a:off x="421260" y="3517376"/>
+            <a:ext cx="4251407" cy="2960801"/>
           </a:xfrm>
           <a:prstGeom prst="rect">
             <a:avLst/>
@@ -4441,10 +5122,10 @@
       </p:pic>
       <p:pic>
         <p:nvPicPr>
-          <p:cNvPr id="12" name="Picture 11">
-            <a:extLst>
-              <a:ext uri="{FF2B5EF4-FFF2-40B4-BE49-F238E27FC236}">
-                <a16:creationId xmlns:a16="http://schemas.microsoft.com/office/drawing/2014/main" id="{3F659F4F-6B86-48B9-85A7-460CCC5A0C30}"/>
+          <p:cNvPr id="6" name="Picture 5">
+            <a:extLst>
+              <a:ext uri="{FF2B5EF4-FFF2-40B4-BE49-F238E27FC236}">
+                <a16:creationId xmlns:a16="http://schemas.microsoft.com/office/drawing/2014/main" id="{ECAEF92C-B82A-4148-A553-8B278CB6D0F5}"/>
               </a:ext>
             </a:extLst>
           </p:cNvPr>
@@ -4461,8 +5142,8 @@
         </p:blipFill>
         <p:spPr>
           <a:xfrm>
-            <a:off x="6980963" y="3609871"/>
-            <a:ext cx="4217653" cy="3176933"/>
+            <a:off x="7268445" y="3609871"/>
+            <a:ext cx="4056305" cy="2824927"/>
           </a:xfrm>
           <a:prstGeom prst="rect">
             <a:avLst/>
@@ -4471,10 +5152,10 @@
       </p:pic>
       <p:pic>
         <p:nvPicPr>
-          <p:cNvPr id="7" name="Picture 6">
-            <a:extLst>
-              <a:ext uri="{FF2B5EF4-FFF2-40B4-BE49-F238E27FC236}">
-                <a16:creationId xmlns:a16="http://schemas.microsoft.com/office/drawing/2014/main" id="{5367B61F-6364-44DB-A339-B04B2F6CFA80}"/>
+          <p:cNvPr id="8" name="Picture 7">
+            <a:extLst>
+              <a:ext uri="{FF2B5EF4-FFF2-40B4-BE49-F238E27FC236}">
+                <a16:creationId xmlns:a16="http://schemas.microsoft.com/office/drawing/2014/main" id="{359D277A-4D67-41EA-BAC0-C100769C73D2}"/>
               </a:ext>
             </a:extLst>
           </p:cNvPr>
@@ -4491,8 +5172,8 @@
         </p:blipFill>
         <p:spPr>
           <a:xfrm>
-            <a:off x="7061638" y="881785"/>
-            <a:ext cx="4056305" cy="2728086"/>
+            <a:off x="7092277" y="397635"/>
+            <a:ext cx="3855357" cy="2684981"/>
           </a:xfrm>
           <a:prstGeom prst="rect">
             <a:avLst/>
@@ -4529,47 +5210,12 @@
           <a:chExt cx="0" cy="0"/>
         </a:xfrm>
       </p:grpSpPr>
-      <p:sp>
-        <p:nvSpPr>
-          <p:cNvPr id="4" name="Title 1">
-            <a:extLst>
-              <a:ext uri="{FF2B5EF4-FFF2-40B4-BE49-F238E27FC236}">
-                <a16:creationId xmlns:a16="http://schemas.microsoft.com/office/drawing/2014/main" id="{F90A0724-B0F6-4615-A9A9-B38E3C20CF20}"/>
-              </a:ext>
-            </a:extLst>
-          </p:cNvPr>
-          <p:cNvSpPr>
-            <a:spLocks noGrp="1"/>
-          </p:cNvSpPr>
-          <p:nvPr>
-            <p:ph type="title"/>
-          </p:nvPr>
-        </p:nvSpPr>
-        <p:spPr>
-          <a:xfrm>
-            <a:off x="175470" y="0"/>
-            <a:ext cx="9169866" cy="977114"/>
-          </a:xfrm>
-        </p:spPr>
-        <p:txBody>
-          <a:bodyPr>
-            <a:normAutofit/>
-          </a:bodyPr>
-          <a:lstStyle/>
-          <a:p>
-            <a:r>
-              <a:rPr lang="en-US" sz="2400" dirty="0"/>
-              <a:t>All data</a:t>
-            </a:r>
-          </a:p>
-        </p:txBody>
-      </p:sp>
       <p:pic>
         <p:nvPicPr>
-          <p:cNvPr id="7" name="Picture 6">
-            <a:extLst>
-              <a:ext uri="{FF2B5EF4-FFF2-40B4-BE49-F238E27FC236}">
-                <a16:creationId xmlns:a16="http://schemas.microsoft.com/office/drawing/2014/main" id="{8425411E-191E-4D79-9744-B19D2BE39F17}"/>
+          <p:cNvPr id="10" name="Picture 9">
+            <a:extLst>
+              <a:ext uri="{FF2B5EF4-FFF2-40B4-BE49-F238E27FC236}">
+                <a16:creationId xmlns:a16="http://schemas.microsoft.com/office/drawing/2014/main" id="{8533FE57-90BE-443C-83D1-7E60BDD7BDF5}"/>
               </a:ext>
             </a:extLst>
           </p:cNvPr>
@@ -4586,20 +5232,55 @@
         </p:blipFill>
         <p:spPr>
           <a:xfrm>
-            <a:off x="1261546" y="199292"/>
-            <a:ext cx="4421490" cy="3330473"/>
+            <a:off x="4478214" y="2898525"/>
+            <a:ext cx="6323958" cy="3428800"/>
           </a:xfrm>
           <a:prstGeom prst="rect">
             <a:avLst/>
           </a:prstGeom>
         </p:spPr>
       </p:pic>
+      <p:sp>
+        <p:nvSpPr>
+          <p:cNvPr id="4" name="Title 1">
+            <a:extLst>
+              <a:ext uri="{FF2B5EF4-FFF2-40B4-BE49-F238E27FC236}">
+                <a16:creationId xmlns:a16="http://schemas.microsoft.com/office/drawing/2014/main" id="{F90A0724-B0F6-4615-A9A9-B38E3C20CF20}"/>
+              </a:ext>
+            </a:extLst>
+          </p:cNvPr>
+          <p:cNvSpPr>
+            <a:spLocks noGrp="1"/>
+          </p:cNvSpPr>
+          <p:nvPr>
+            <p:ph type="title"/>
+          </p:nvPr>
+        </p:nvSpPr>
+        <p:spPr>
+          <a:xfrm>
+            <a:off x="175470" y="0"/>
+            <a:ext cx="9169866" cy="977114"/>
+          </a:xfrm>
+        </p:spPr>
+        <p:txBody>
+          <a:bodyPr>
+            <a:normAutofit/>
+          </a:bodyPr>
+          <a:lstStyle/>
+          <a:p>
+            <a:r>
+              <a:rPr lang="en-US" sz="2400" dirty="0"/>
+              <a:t>All data</a:t>
+            </a:r>
+          </a:p>
+        </p:txBody>
+      </p:sp>
       <p:pic>
         <p:nvPicPr>
-          <p:cNvPr id="8" name="Picture 7">
-            <a:extLst>
-              <a:ext uri="{FF2B5EF4-FFF2-40B4-BE49-F238E27FC236}">
-                <a16:creationId xmlns:a16="http://schemas.microsoft.com/office/drawing/2014/main" id="{D1FCE5A7-87D7-41C4-B54C-D25C6294A3AD}"/>
+          <p:cNvPr id="9" name="Picture 8">
+            <a:extLst>
+              <a:ext uri="{FF2B5EF4-FFF2-40B4-BE49-F238E27FC236}">
+                <a16:creationId xmlns:a16="http://schemas.microsoft.com/office/drawing/2014/main" id="{D8AD4705-779E-49E1-940F-4BEB9E8B574A}"/>
               </a:ext>
             </a:extLst>
           </p:cNvPr>
@@ -4616,8 +5297,8 @@
         </p:blipFill>
         <p:spPr>
           <a:xfrm>
-            <a:off x="297348" y="3529765"/>
-            <a:ext cx="4280788" cy="3224489"/>
+            <a:off x="8669131" y="3905312"/>
+            <a:ext cx="3238066" cy="2255081"/>
           </a:xfrm>
           <a:prstGeom prst="rect">
             <a:avLst/>
@@ -4626,10 +5307,10 @@
       </p:pic>
       <p:pic>
         <p:nvPicPr>
-          <p:cNvPr id="3" name="Picture 2">
-            <a:extLst>
-              <a:ext uri="{FF2B5EF4-FFF2-40B4-BE49-F238E27FC236}">
-                <a16:creationId xmlns:a16="http://schemas.microsoft.com/office/drawing/2014/main" id="{2CB47D6A-C113-4A49-BC71-DBD9D3C16932}"/>
+          <p:cNvPr id="5" name="Picture 4">
+            <a:extLst>
+              <a:ext uri="{FF2B5EF4-FFF2-40B4-BE49-F238E27FC236}">
+                <a16:creationId xmlns:a16="http://schemas.microsoft.com/office/drawing/2014/main" id="{C299A7CC-99B2-41B4-8FA5-B6439E0EBFD2}"/>
               </a:ext>
             </a:extLst>
           </p:cNvPr>
@@ -4646,8 +5327,8 @@
         </p:blipFill>
         <p:spPr>
           <a:xfrm>
-            <a:off x="6388112" y="-38079"/>
-            <a:ext cx="4130748" cy="2898525"/>
+            <a:off x="548863" y="711637"/>
+            <a:ext cx="3466667" cy="2414286"/>
           </a:xfrm>
           <a:prstGeom prst="rect">
             <a:avLst/>
@@ -4656,10 +5337,10 @@
       </p:pic>
       <p:pic>
         <p:nvPicPr>
-          <p:cNvPr id="2" name="Picture 1">
-            <a:extLst>
-              <a:ext uri="{FF2B5EF4-FFF2-40B4-BE49-F238E27FC236}">
-                <a16:creationId xmlns:a16="http://schemas.microsoft.com/office/drawing/2014/main" id="{528A9696-E66D-4501-BFE3-6D8C7CFB9AED}"/>
+          <p:cNvPr id="6" name="Picture 5">
+            <a:extLst>
+              <a:ext uri="{FF2B5EF4-FFF2-40B4-BE49-F238E27FC236}">
+                <a16:creationId xmlns:a16="http://schemas.microsoft.com/office/drawing/2014/main" id="{2C7C1206-D674-4EA9-B89D-CB40787FFC2D}"/>
               </a:ext>
             </a:extLst>
           </p:cNvPr>
@@ -4676,8 +5357,8 @@
         </p:blipFill>
         <p:spPr>
           <a:xfrm>
-            <a:off x="4578136" y="3328235"/>
-            <a:ext cx="6332281" cy="3224489"/>
+            <a:off x="287297" y="3732078"/>
+            <a:ext cx="4190917" cy="2918674"/>
           </a:xfrm>
           <a:prstGeom prst="rect">
             <a:avLst/>
@@ -4686,10 +5367,10 @@
       </p:pic>
       <p:pic>
         <p:nvPicPr>
-          <p:cNvPr id="9" name="Picture 8">
-            <a:extLst>
-              <a:ext uri="{FF2B5EF4-FFF2-40B4-BE49-F238E27FC236}">
-                <a16:creationId xmlns:a16="http://schemas.microsoft.com/office/drawing/2014/main" id="{D8AD4705-779E-49E1-940F-4BEB9E8B574A}"/>
+          <p:cNvPr id="11" name="Picture 10">
+            <a:extLst>
+              <a:ext uri="{FF2B5EF4-FFF2-40B4-BE49-F238E27FC236}">
+                <a16:creationId xmlns:a16="http://schemas.microsoft.com/office/drawing/2014/main" id="{6A63B4D5-0ED5-4B09-AEA5-E3A22FB32D33}"/>
               </a:ext>
             </a:extLst>
           </p:cNvPr>
@@ -4706,8 +5387,8 @@
         </p:blipFill>
         <p:spPr>
           <a:xfrm>
-            <a:off x="8666637" y="4306965"/>
-            <a:ext cx="3238066" cy="2255081"/>
+            <a:off x="7830948" y="88235"/>
+            <a:ext cx="4076249" cy="2492953"/>
           </a:xfrm>
           <a:prstGeom prst="rect">
             <a:avLst/>
@@ -4781,10 +5462,10 @@
       </p:sp>
       <p:pic>
         <p:nvPicPr>
-          <p:cNvPr id="2" name="Picture 1">
-            <a:extLst>
-              <a:ext uri="{FF2B5EF4-FFF2-40B4-BE49-F238E27FC236}">
-                <a16:creationId xmlns:a16="http://schemas.microsoft.com/office/drawing/2014/main" id="{E7BE51D2-0838-4D7E-921F-86D48EBEBEE1}"/>
+          <p:cNvPr id="8" name="Picture 7">
+            <a:extLst>
+              <a:ext uri="{FF2B5EF4-FFF2-40B4-BE49-F238E27FC236}">
+                <a16:creationId xmlns:a16="http://schemas.microsoft.com/office/drawing/2014/main" id="{FBEDEB9B-162B-42D3-8E00-524AED7EDBFB}"/>
               </a:ext>
             </a:extLst>
           </p:cNvPr>
@@ -4801,8 +5482,8 @@
         </p:blipFill>
         <p:spPr>
           <a:xfrm>
-            <a:off x="515695" y="3997157"/>
-            <a:ext cx="4019580" cy="2703386"/>
+            <a:off x="661413" y="1005303"/>
+            <a:ext cx="4420329" cy="2703386"/>
           </a:xfrm>
           <a:prstGeom prst="rect">
             <a:avLst/>
@@ -4811,10 +5492,10 @@
       </p:pic>
       <p:pic>
         <p:nvPicPr>
-          <p:cNvPr id="3" name="Picture 2">
-            <a:extLst>
-              <a:ext uri="{FF2B5EF4-FFF2-40B4-BE49-F238E27FC236}">
-                <a16:creationId xmlns:a16="http://schemas.microsoft.com/office/drawing/2014/main" id="{113C3061-A9C0-46E5-9F59-CCB6564BE3D3}"/>
+          <p:cNvPr id="9" name="Picture 8">
+            <a:extLst>
+              <a:ext uri="{FF2B5EF4-FFF2-40B4-BE49-F238E27FC236}">
+                <a16:creationId xmlns:a16="http://schemas.microsoft.com/office/drawing/2014/main" id="{5808F17D-5AF9-4AF5-9C4C-002BDDFFEDF3}"/>
               </a:ext>
             </a:extLst>
           </p:cNvPr>
@@ -4831,8 +5512,8 @@
         </p:blipFill>
         <p:spPr>
           <a:xfrm>
-            <a:off x="7264838" y="3997157"/>
-            <a:ext cx="4019580" cy="2703386"/>
+            <a:off x="7426157" y="1154546"/>
+            <a:ext cx="3696942" cy="2260976"/>
           </a:xfrm>
           <a:prstGeom prst="rect">
             <a:avLst/>
@@ -4841,10 +5522,10 @@
       </p:pic>
       <p:pic>
         <p:nvPicPr>
-          <p:cNvPr id="5" name="Picture 4">
-            <a:extLst>
-              <a:ext uri="{FF2B5EF4-FFF2-40B4-BE49-F238E27FC236}">
-                <a16:creationId xmlns:a16="http://schemas.microsoft.com/office/drawing/2014/main" id="{3C264B63-D231-4E12-9148-75755FD56C4F}"/>
+          <p:cNvPr id="10" name="Picture 9">
+            <a:extLst>
+              <a:ext uri="{FF2B5EF4-FFF2-40B4-BE49-F238E27FC236}">
+                <a16:creationId xmlns:a16="http://schemas.microsoft.com/office/drawing/2014/main" id="{6909E40F-63C4-40BE-8B37-9306D6265839}"/>
               </a:ext>
             </a:extLst>
           </p:cNvPr>
@@ -4861,8 +5542,8 @@
         </p:blipFill>
         <p:spPr>
           <a:xfrm>
-            <a:off x="783770" y="1156371"/>
-            <a:ext cx="3875316" cy="2606361"/>
+            <a:off x="661413" y="3997157"/>
+            <a:ext cx="4149869" cy="2537978"/>
           </a:xfrm>
           <a:prstGeom prst="rect">
             <a:avLst/>
@@ -4871,10 +5552,10 @@
       </p:pic>
       <p:pic>
         <p:nvPicPr>
-          <p:cNvPr id="6" name="Picture 5">
-            <a:extLst>
-              <a:ext uri="{FF2B5EF4-FFF2-40B4-BE49-F238E27FC236}">
-                <a16:creationId xmlns:a16="http://schemas.microsoft.com/office/drawing/2014/main" id="{F8D70AAB-A988-4D17-9818-6E72AB4E1297}"/>
+          <p:cNvPr id="11" name="Picture 10">
+            <a:extLst>
+              <a:ext uri="{FF2B5EF4-FFF2-40B4-BE49-F238E27FC236}">
+                <a16:creationId xmlns:a16="http://schemas.microsoft.com/office/drawing/2014/main" id="{3AA76E3A-3221-407C-9A26-11911E74DE48}"/>
               </a:ext>
             </a:extLst>
           </p:cNvPr>
@@ -4891,8 +5572,8 @@
         </p:blipFill>
         <p:spPr>
           <a:xfrm>
-            <a:off x="7264838" y="977114"/>
-            <a:ext cx="3875316" cy="2606361"/>
+            <a:off x="7225910" y="3997157"/>
+            <a:ext cx="3965387" cy="2425152"/>
           </a:xfrm>
           <a:prstGeom prst="rect">
             <a:avLst/>
@@ -4966,10 +5647,10 @@
       </p:sp>
       <p:pic>
         <p:nvPicPr>
-          <p:cNvPr id="2" name="Picture 1">
-            <a:extLst>
-              <a:ext uri="{FF2B5EF4-FFF2-40B4-BE49-F238E27FC236}">
-                <a16:creationId xmlns:a16="http://schemas.microsoft.com/office/drawing/2014/main" id="{DA6F6245-BF71-4528-9576-3F58ED75E278}"/>
+          <p:cNvPr id="7" name="Picture 6">
+            <a:extLst>
+              <a:ext uri="{FF2B5EF4-FFF2-40B4-BE49-F238E27FC236}">
+                <a16:creationId xmlns:a16="http://schemas.microsoft.com/office/drawing/2014/main" id="{B943E689-630C-407D-B400-F325BEBC9368}"/>
               </a:ext>
             </a:extLst>
           </p:cNvPr>
@@ -4986,8 +5667,8 @@
         </p:blipFill>
         <p:spPr>
           <a:xfrm>
-            <a:off x="1255641" y="883843"/>
-            <a:ext cx="3504762" cy="2357143"/>
+            <a:off x="571251" y="3753758"/>
+            <a:ext cx="4218527" cy="2579967"/>
           </a:xfrm>
           <a:prstGeom prst="rect">
             <a:avLst/>
@@ -4996,10 +5677,10 @@
       </p:pic>
       <p:pic>
         <p:nvPicPr>
-          <p:cNvPr id="3" name="Picture 2">
-            <a:extLst>
-              <a:ext uri="{FF2B5EF4-FFF2-40B4-BE49-F238E27FC236}">
-                <a16:creationId xmlns:a16="http://schemas.microsoft.com/office/drawing/2014/main" id="{EFEC58A5-76F1-43E6-8007-252EBC362D04}"/>
+          <p:cNvPr id="8" name="Picture 7">
+            <a:extLst>
+              <a:ext uri="{FF2B5EF4-FFF2-40B4-BE49-F238E27FC236}">
+                <a16:creationId xmlns:a16="http://schemas.microsoft.com/office/drawing/2014/main" id="{F3B66D47-378D-4ABF-A2DB-77DEFFD0C2E3}"/>
               </a:ext>
             </a:extLst>
           </p:cNvPr>
@@ -5016,8 +5697,8 @@
         </p:blipFill>
         <p:spPr>
           <a:xfrm>
-            <a:off x="6872952" y="376237"/>
-            <a:ext cx="4259505" cy="2864749"/>
+            <a:off x="6896550" y="920655"/>
+            <a:ext cx="4101417" cy="2508345"/>
           </a:xfrm>
           <a:prstGeom prst="rect">
             <a:avLst/>
@@ -5026,10 +5707,10 @@
       </p:pic>
       <p:pic>
         <p:nvPicPr>
-          <p:cNvPr id="5" name="Picture 4">
-            <a:extLst>
-              <a:ext uri="{FF2B5EF4-FFF2-40B4-BE49-F238E27FC236}">
-                <a16:creationId xmlns:a16="http://schemas.microsoft.com/office/drawing/2014/main" id="{4D5DBE1F-D14C-49B9-B808-CEF801735C97}"/>
+          <p:cNvPr id="9" name="Picture 8">
+            <a:extLst>
+              <a:ext uri="{FF2B5EF4-FFF2-40B4-BE49-F238E27FC236}">
+                <a16:creationId xmlns:a16="http://schemas.microsoft.com/office/drawing/2014/main" id="{80C9F81C-4242-4085-88C7-0034C25D41AF}"/>
               </a:ext>
             </a:extLst>
           </p:cNvPr>
@@ -5046,8 +5727,8 @@
         </p:blipFill>
         <p:spPr>
           <a:xfrm>
-            <a:off x="1043837" y="3617015"/>
-            <a:ext cx="4143391" cy="2786656"/>
+            <a:off x="571251" y="948885"/>
+            <a:ext cx="4101417" cy="2508345"/>
           </a:xfrm>
           <a:prstGeom prst="rect">
             <a:avLst/>
@@ -5056,10 +5737,10 @@
       </p:pic>
       <p:pic>
         <p:nvPicPr>
-          <p:cNvPr id="6" name="Picture 5">
-            <a:extLst>
-              <a:ext uri="{FF2B5EF4-FFF2-40B4-BE49-F238E27FC236}">
-                <a16:creationId xmlns:a16="http://schemas.microsoft.com/office/drawing/2014/main" id="{F24C59D1-2460-4A4B-B77D-6AD4EC7799C7}"/>
+          <p:cNvPr id="10" name="Picture 9">
+            <a:extLst>
+              <a:ext uri="{FF2B5EF4-FFF2-40B4-BE49-F238E27FC236}">
+                <a16:creationId xmlns:a16="http://schemas.microsoft.com/office/drawing/2014/main" id="{4F6D291F-ADF5-4A7F-9DF3-390D1E4C5230}"/>
               </a:ext>
             </a:extLst>
           </p:cNvPr>
@@ -5076,8 +5757,8 @@
         </p:blipFill>
         <p:spPr>
           <a:xfrm>
-            <a:off x="7004773" y="3617015"/>
-            <a:ext cx="4143391" cy="2786656"/>
+            <a:off x="7089496" y="3855402"/>
+            <a:ext cx="4361476" cy="2667392"/>
           </a:xfrm>
           <a:prstGeom prst="rect">
             <a:avLst/>
@@ -5151,10 +5832,10 @@
       </p:sp>
       <p:pic>
         <p:nvPicPr>
-          <p:cNvPr id="2" name="Picture 1">
-            <a:extLst>
-              <a:ext uri="{FF2B5EF4-FFF2-40B4-BE49-F238E27FC236}">
-                <a16:creationId xmlns:a16="http://schemas.microsoft.com/office/drawing/2014/main" id="{59B74E23-9F85-4A75-98BB-0C2881391124}"/>
+          <p:cNvPr id="7" name="Picture 6">
+            <a:extLst>
+              <a:ext uri="{FF2B5EF4-FFF2-40B4-BE49-F238E27FC236}">
+                <a16:creationId xmlns:a16="http://schemas.microsoft.com/office/drawing/2014/main" id="{6528DBC4-035F-4BF0-8162-7BC8350A51E0}"/>
               </a:ext>
             </a:extLst>
           </p:cNvPr>
@@ -5171,8 +5852,8 @@
         </p:blipFill>
         <p:spPr>
           <a:xfrm>
-            <a:off x="617295" y="977114"/>
-            <a:ext cx="3504762" cy="2357143"/>
+            <a:off x="395082" y="977114"/>
+            <a:ext cx="4076250" cy="2492954"/>
           </a:xfrm>
           <a:prstGeom prst="rect">
             <a:avLst/>
@@ -5181,10 +5862,10 @@
       </p:pic>
       <p:pic>
         <p:nvPicPr>
-          <p:cNvPr id="3" name="Picture 2">
-            <a:extLst>
-              <a:ext uri="{FF2B5EF4-FFF2-40B4-BE49-F238E27FC236}">
-                <a16:creationId xmlns:a16="http://schemas.microsoft.com/office/drawing/2014/main" id="{E241D8D8-C1DB-41F4-8716-6BFA3459CA96}"/>
+          <p:cNvPr id="8" name="Picture 7">
+            <a:extLst>
+              <a:ext uri="{FF2B5EF4-FFF2-40B4-BE49-F238E27FC236}">
+                <a16:creationId xmlns:a16="http://schemas.microsoft.com/office/drawing/2014/main" id="{D03F8469-259D-41BE-AD8A-60C7E9862A26}"/>
               </a:ext>
             </a:extLst>
           </p:cNvPr>
@@ -5201,8 +5882,8 @@
         </p:blipFill>
         <p:spPr>
           <a:xfrm>
-            <a:off x="7484098" y="830689"/>
-            <a:ext cx="3722476" cy="2503568"/>
+            <a:off x="7135236" y="766762"/>
+            <a:ext cx="4420199" cy="2703306"/>
           </a:xfrm>
           <a:prstGeom prst="rect">
             <a:avLst/>
@@ -5211,10 +5892,10 @@
       </p:pic>
       <p:pic>
         <p:nvPicPr>
-          <p:cNvPr id="5" name="Picture 4">
-            <a:extLst>
-              <a:ext uri="{FF2B5EF4-FFF2-40B4-BE49-F238E27FC236}">
-                <a16:creationId xmlns:a16="http://schemas.microsoft.com/office/drawing/2014/main" id="{6F938922-3C72-483C-BC5C-FF57DE4841B0}"/>
+          <p:cNvPr id="9" name="Picture 8">
+            <a:extLst>
+              <a:ext uri="{FF2B5EF4-FFF2-40B4-BE49-F238E27FC236}">
+                <a16:creationId xmlns:a16="http://schemas.microsoft.com/office/drawing/2014/main" id="{9334CCFA-AD6C-433E-89FB-D1AA50F1EE95}"/>
               </a:ext>
             </a:extLst>
           </p:cNvPr>
@@ -5231,8 +5912,8 @@
         </p:blipFill>
         <p:spPr>
           <a:xfrm>
-            <a:off x="617295" y="3805089"/>
-            <a:ext cx="3722476" cy="2503568"/>
+            <a:off x="315386" y="4083361"/>
+            <a:ext cx="4235641" cy="2590434"/>
           </a:xfrm>
           <a:prstGeom prst="rect">
             <a:avLst/>
@@ -5241,10 +5922,10 @@
       </p:pic>
       <p:pic>
         <p:nvPicPr>
-          <p:cNvPr id="6" name="Picture 5">
-            <a:extLst>
-              <a:ext uri="{FF2B5EF4-FFF2-40B4-BE49-F238E27FC236}">
-                <a16:creationId xmlns:a16="http://schemas.microsoft.com/office/drawing/2014/main" id="{FB887745-AF1D-49CD-9360-E6D05150BA30}"/>
+          <p:cNvPr id="10" name="Picture 9">
+            <a:extLst>
+              <a:ext uri="{FF2B5EF4-FFF2-40B4-BE49-F238E27FC236}">
+                <a16:creationId xmlns:a16="http://schemas.microsoft.com/office/drawing/2014/main" id="{E00B904F-901F-45B5-A695-CE6BB328B22E}"/>
               </a:ext>
             </a:extLst>
           </p:cNvPr>
@@ -5261,8 +5942,8 @@
         </p:blipFill>
         <p:spPr>
           <a:xfrm>
-            <a:off x="7484098" y="3921204"/>
-            <a:ext cx="3722476" cy="2503568"/>
+            <a:off x="7319794" y="4083361"/>
+            <a:ext cx="4235641" cy="2590434"/>
           </a:xfrm>
           <a:prstGeom prst="rect">
             <a:avLst/>
@@ -5336,10 +6017,10 @@
       </p:sp>
       <p:pic>
         <p:nvPicPr>
-          <p:cNvPr id="2" name="Picture 1">
-            <a:extLst>
-              <a:ext uri="{FF2B5EF4-FFF2-40B4-BE49-F238E27FC236}">
-                <a16:creationId xmlns:a16="http://schemas.microsoft.com/office/drawing/2014/main" id="{30B7F59A-D8C2-467D-AB8B-17DFBA939F8D}"/>
+          <p:cNvPr id="6" name="Picture 5">
+            <a:extLst>
+              <a:ext uri="{FF2B5EF4-FFF2-40B4-BE49-F238E27FC236}">
+                <a16:creationId xmlns:a16="http://schemas.microsoft.com/office/drawing/2014/main" id="{2891251C-0A0F-4999-BEA6-6D5B93F28764}"/>
               </a:ext>
             </a:extLst>
           </p:cNvPr>
@@ -5356,8 +6037,8 @@
         </p:blipFill>
         <p:spPr>
           <a:xfrm>
-            <a:off x="570497" y="3588069"/>
-            <a:ext cx="4448191" cy="2991650"/>
+            <a:off x="269247" y="977114"/>
+            <a:ext cx="3782636" cy="2313385"/>
           </a:xfrm>
           <a:prstGeom prst="rect">
             <a:avLst/>
@@ -5366,10 +6047,10 @@
       </p:pic>
       <p:pic>
         <p:nvPicPr>
-          <p:cNvPr id="3" name="Picture 2">
-            <a:extLst>
-              <a:ext uri="{FF2B5EF4-FFF2-40B4-BE49-F238E27FC236}">
-                <a16:creationId xmlns:a16="http://schemas.microsoft.com/office/drawing/2014/main" id="{7120D452-2913-4E98-A4B5-4480380D8DDC}"/>
+          <p:cNvPr id="8" name="Picture 7">
+            <a:extLst>
+              <a:ext uri="{FF2B5EF4-FFF2-40B4-BE49-F238E27FC236}">
+                <a16:creationId xmlns:a16="http://schemas.microsoft.com/office/drawing/2014/main" id="{263F3473-EFE9-41AD-9C83-C48655EC180E}"/>
               </a:ext>
             </a:extLst>
           </p:cNvPr>
@@ -5386,8 +6067,8 @@
         </p:blipFill>
         <p:spPr>
           <a:xfrm>
-            <a:off x="902152" y="802137"/>
-            <a:ext cx="3994993" cy="2686850"/>
+            <a:off x="303202" y="4194917"/>
+            <a:ext cx="3874914" cy="2369821"/>
           </a:xfrm>
           <a:prstGeom prst="rect">
             <a:avLst/>
@@ -5396,10 +6077,10 @@
       </p:pic>
       <p:pic>
         <p:nvPicPr>
-          <p:cNvPr id="5" name="Picture 4">
-            <a:extLst>
-              <a:ext uri="{FF2B5EF4-FFF2-40B4-BE49-F238E27FC236}">
-                <a16:creationId xmlns:a16="http://schemas.microsoft.com/office/drawing/2014/main" id="{0C6F45B3-68DE-4DA3-B18A-D5F287B22CAC}"/>
+          <p:cNvPr id="9" name="Picture 8">
+            <a:extLst>
+              <a:ext uri="{FF2B5EF4-FFF2-40B4-BE49-F238E27FC236}">
+                <a16:creationId xmlns:a16="http://schemas.microsoft.com/office/drawing/2014/main" id="{0808B3E2-4A4D-4744-9725-AD6671A74593}"/>
               </a:ext>
             </a:extLst>
           </p:cNvPr>
@@ -5416,8 +6097,8 @@
         </p:blipFill>
         <p:spPr>
           <a:xfrm>
-            <a:off x="6552843" y="509698"/>
-            <a:ext cx="4448191" cy="2991650"/>
+            <a:off x="7244694" y="4153872"/>
+            <a:ext cx="4009138" cy="2451909"/>
           </a:xfrm>
           <a:prstGeom prst="rect">
             <a:avLst/>
@@ -5426,10 +6107,10 @@
       </p:pic>
       <p:pic>
         <p:nvPicPr>
-          <p:cNvPr id="11" name="Picture 10">
-            <a:extLst>
-              <a:ext uri="{FF2B5EF4-FFF2-40B4-BE49-F238E27FC236}">
-                <a16:creationId xmlns:a16="http://schemas.microsoft.com/office/drawing/2014/main" id="{CE92CBE6-CDD7-4F94-9C6A-E20082CD33FC}"/>
+          <p:cNvPr id="10" name="Picture 9">
+            <a:extLst>
+              <a:ext uri="{FF2B5EF4-FFF2-40B4-BE49-F238E27FC236}">
+                <a16:creationId xmlns:a16="http://schemas.microsoft.com/office/drawing/2014/main" id="{14E257C1-1AE0-43BC-B4A1-85F4B880F0EC}"/>
               </a:ext>
             </a:extLst>
           </p:cNvPr>
@@ -5446,8 +6127,8 @@
         </p:blipFill>
         <p:spPr>
           <a:xfrm>
-            <a:off x="6698342" y="3488987"/>
-            <a:ext cx="4742834" cy="3189814"/>
+            <a:off x="7193959" y="818068"/>
+            <a:ext cx="4302753" cy="2631478"/>
           </a:xfrm>
           <a:prstGeom prst="rect">
             <a:avLst/>
@@ -5521,10 +6202,10 @@
       </p:sp>
       <p:pic>
         <p:nvPicPr>
-          <p:cNvPr id="2" name="Picture 1">
-            <a:extLst>
-              <a:ext uri="{FF2B5EF4-FFF2-40B4-BE49-F238E27FC236}">
-                <a16:creationId xmlns:a16="http://schemas.microsoft.com/office/drawing/2014/main" id="{8854055D-D267-4559-B6A9-125D96FFF04C}"/>
+          <p:cNvPr id="7" name="Picture 6">
+            <a:extLst>
+              <a:ext uri="{FF2B5EF4-FFF2-40B4-BE49-F238E27FC236}">
+                <a16:creationId xmlns:a16="http://schemas.microsoft.com/office/drawing/2014/main" id="{D3660904-0EFE-4E7E-8318-7356EF678FA6}"/>
               </a:ext>
             </a:extLst>
           </p:cNvPr>
@@ -5541,8 +6222,8 @@
         </p:blipFill>
         <p:spPr>
           <a:xfrm>
-            <a:off x="936609" y="984002"/>
-            <a:ext cx="3833870" cy="2578486"/>
+            <a:off x="369915" y="977114"/>
+            <a:ext cx="3128294" cy="1913203"/>
           </a:xfrm>
           <a:prstGeom prst="rect">
             <a:avLst/>
@@ -5551,10 +6232,10 @@
       </p:pic>
       <p:pic>
         <p:nvPicPr>
-          <p:cNvPr id="3" name="Picture 2">
-            <a:extLst>
-              <a:ext uri="{FF2B5EF4-FFF2-40B4-BE49-F238E27FC236}">
-                <a16:creationId xmlns:a16="http://schemas.microsoft.com/office/drawing/2014/main" id="{87440FF2-0A42-4CD5-9443-2C2A1D14218C}"/>
+          <p:cNvPr id="8" name="Picture 7">
+            <a:extLst>
+              <a:ext uri="{FF2B5EF4-FFF2-40B4-BE49-F238E27FC236}">
+                <a16:creationId xmlns:a16="http://schemas.microsoft.com/office/drawing/2014/main" id="{AD26F0B4-C5E2-467C-856B-35853181ED7A}"/>
               </a:ext>
             </a:extLst>
           </p:cNvPr>
@@ -5571,8 +6252,8 @@
         </p:blipFill>
         <p:spPr>
           <a:xfrm>
-            <a:off x="6418173" y="724414"/>
-            <a:ext cx="4021364" cy="2704586"/>
+            <a:off x="369915" y="3867431"/>
+            <a:ext cx="4067467" cy="2487582"/>
           </a:xfrm>
           <a:prstGeom prst="rect">
             <a:avLst/>
@@ -5581,10 +6262,10 @@
       </p:pic>
       <p:pic>
         <p:nvPicPr>
-          <p:cNvPr id="5" name="Picture 4">
-            <a:extLst>
-              <a:ext uri="{FF2B5EF4-FFF2-40B4-BE49-F238E27FC236}">
-                <a16:creationId xmlns:a16="http://schemas.microsoft.com/office/drawing/2014/main" id="{8C9B2F0E-2174-4148-BAB0-C15A2CA86D58}"/>
+          <p:cNvPr id="9" name="Picture 8">
+            <a:extLst>
+              <a:ext uri="{FF2B5EF4-FFF2-40B4-BE49-F238E27FC236}">
+                <a16:creationId xmlns:a16="http://schemas.microsoft.com/office/drawing/2014/main" id="{9B723F03-5912-40F5-9124-4C9BD25C1B73}"/>
               </a:ext>
             </a:extLst>
           </p:cNvPr>
@@ -5601,8 +6282,8 @@
         </p:blipFill>
         <p:spPr>
           <a:xfrm>
-            <a:off x="936609" y="3646419"/>
-            <a:ext cx="4028097" cy="2709114"/>
+            <a:off x="7072718" y="828411"/>
+            <a:ext cx="3947619" cy="2414286"/>
           </a:xfrm>
           <a:prstGeom prst="rect">
             <a:avLst/>
@@ -5611,10 +6292,10 @@
       </p:pic>
       <p:pic>
         <p:nvPicPr>
-          <p:cNvPr id="6" name="Picture 5">
-            <a:extLst>
-              <a:ext uri="{FF2B5EF4-FFF2-40B4-BE49-F238E27FC236}">
-                <a16:creationId xmlns:a16="http://schemas.microsoft.com/office/drawing/2014/main" id="{2FD71890-BC51-4490-99E2-852473FDCB2C}"/>
+          <p:cNvPr id="10" name="Picture 9">
+            <a:extLst>
+              <a:ext uri="{FF2B5EF4-FFF2-40B4-BE49-F238E27FC236}">
+                <a16:creationId xmlns:a16="http://schemas.microsoft.com/office/drawing/2014/main" id="{A8F1B746-A76B-4ABC-A35D-0BEAA8E10B96}"/>
               </a:ext>
             </a:extLst>
           </p:cNvPr>
@@ -5631,8 +6312,8 @@
         </p:blipFill>
         <p:spPr>
           <a:xfrm>
-            <a:off x="6633027" y="3646419"/>
-            <a:ext cx="4310743" cy="2899209"/>
+            <a:off x="6930106" y="3615303"/>
+            <a:ext cx="4420199" cy="2703306"/>
           </a:xfrm>
           <a:prstGeom prst="rect">
             <a:avLst/>
